--- a/code-sprint.pptx
+++ b/code-sprint.pptx
@@ -8,16 +8,16 @@
     <p:sldId id="258" r:id="rId2"/>
     <p:sldId id="257" r:id="rId3"/>
     <p:sldId id="259" r:id="rId4"/>
-    <p:sldId id="260" r:id="rId5"/>
-    <p:sldId id="261" r:id="rId6"/>
-    <p:sldId id="262" r:id="rId7"/>
-    <p:sldId id="263" r:id="rId8"/>
-    <p:sldId id="264" r:id="rId9"/>
-    <p:sldId id="265" r:id="rId10"/>
-    <p:sldId id="266" r:id="rId11"/>
-    <p:sldId id="267" r:id="rId12"/>
-    <p:sldId id="268" r:id="rId13"/>
-    <p:sldId id="269" r:id="rId14"/>
+    <p:sldId id="277" r:id="rId5"/>
+    <p:sldId id="260" r:id="rId6"/>
+    <p:sldId id="261" r:id="rId7"/>
+    <p:sldId id="262" r:id="rId8"/>
+    <p:sldId id="263" r:id="rId9"/>
+    <p:sldId id="264" r:id="rId10"/>
+    <p:sldId id="265" r:id="rId11"/>
+    <p:sldId id="266" r:id="rId12"/>
+    <p:sldId id="267" r:id="rId13"/>
+    <p:sldId id="268" r:id="rId14"/>
     <p:sldId id="270" r:id="rId15"/>
     <p:sldId id="271" r:id="rId16"/>
     <p:sldId id="272" r:id="rId17"/>
@@ -3140,13 +3140,8 @@
           <a:p>
             <a:r>
               <a:rPr lang="en-US" dirty="0" smtClean="0"/>
-              <a:t>Focus is too </a:t>
-            </a:r>
-            <a:r>
-              <a:rPr lang="en-US" dirty="0" smtClean="0"/>
-              <a:t>broad</a:t>
-            </a:r>
-            <a:endParaRPr lang="en-US" dirty="0" smtClean="0"/>
+              <a:t>Focus is too broad</a:t>
+            </a:r>
           </a:p>
         </p:txBody>
       </p:sp>
@@ -3159,6 +3154,80 @@
 </file>
 
 <file path=ppt/slides/slide10.xml><?xml version="1.0" encoding="utf-8"?>
+<p:sld xmlns:a="http://schemas.openxmlformats.org/drawingml/2006/main" xmlns:r="http://schemas.openxmlformats.org/officeDocument/2006/relationships" xmlns:p="http://schemas.openxmlformats.org/presentationml/2006/main">
+  <p:cSld>
+    <p:spTree>
+      <p:nvGrpSpPr>
+        <p:cNvPr id="1" name=""/>
+        <p:cNvGrpSpPr/>
+        <p:nvPr/>
+      </p:nvGrpSpPr>
+      <p:grpSpPr>
+        <a:xfrm>
+          <a:off x="0" y="0"/>
+          <a:ext cx="0" cy="0"/>
+          <a:chOff x="0" y="0"/>
+          <a:chExt cx="0" cy="0"/>
+        </a:xfrm>
+      </p:grpSpPr>
+      <p:sp>
+        <p:nvSpPr>
+          <p:cNvPr id="2" name="Title 1"/>
+          <p:cNvSpPr>
+            <a:spLocks noGrp="1"/>
+          </p:cNvSpPr>
+          <p:nvPr>
+            <p:ph type="title"/>
+          </p:nvPr>
+        </p:nvSpPr>
+        <p:spPr/>
+        <p:txBody>
+          <a:bodyPr/>
+          <a:lstStyle/>
+          <a:p>
+            <a:r>
+              <a:rPr lang="en-US" dirty="0" smtClean="0"/>
+              <a:t>In the Thick of It</a:t>
+            </a:r>
+            <a:endParaRPr lang="en-US" dirty="0"/>
+          </a:p>
+        </p:txBody>
+      </p:sp>
+      <p:pic>
+        <p:nvPicPr>
+          <p:cNvPr id="2050" name="Picture 2" descr="D:\Dropbox\ITS\code-sprint-pres\img\2013-04-05 09-52-03 [P1020874] edited ITS Excelsior Sprint.jpg"/>
+          <p:cNvPicPr>
+            <a:picLocks noChangeAspect="1" noChangeArrowheads="1"/>
+          </p:cNvPicPr>
+          <p:nvPr/>
+        </p:nvPicPr>
+        <p:blipFill>
+          <a:blip r:embed="rId2" cstate="print"/>
+          <a:srcRect/>
+          <a:stretch>
+            <a:fillRect/>
+          </a:stretch>
+        </p:blipFill>
+        <p:spPr bwMode="auto">
+          <a:xfrm>
+            <a:off x="731520" y="1716747"/>
+            <a:ext cx="7680960" cy="4531653"/>
+          </a:xfrm>
+          <a:prstGeom prst="rect">
+            <a:avLst/>
+          </a:prstGeom>
+          <a:noFill/>
+        </p:spPr>
+      </p:pic>
+    </p:spTree>
+  </p:cSld>
+  <p:clrMapOvr>
+    <a:masterClrMapping/>
+  </p:clrMapOvr>
+</p:sld>
+</file>
+
+<file path=ppt/slides/slide11.xml><?xml version="1.0" encoding="utf-8"?>
 <p:sld xmlns:a="http://schemas.openxmlformats.org/drawingml/2006/main" xmlns:r="http://schemas.openxmlformats.org/officeDocument/2006/relationships" xmlns:p="http://schemas.openxmlformats.org/presentationml/2006/main">
   <p:cSld>
     <p:spTree>
@@ -3232,96 +3301,6 @@
 </p:sld>
 </file>
 
-<file path=ppt/slides/slide11.xml><?xml version="1.0" encoding="utf-8"?>
-<p:sld xmlns:a="http://schemas.openxmlformats.org/drawingml/2006/main" xmlns:r="http://schemas.openxmlformats.org/officeDocument/2006/relationships" xmlns:p="http://schemas.openxmlformats.org/presentationml/2006/main">
-  <p:cSld>
-    <p:spTree>
-      <p:nvGrpSpPr>
-        <p:cNvPr id="1" name=""/>
-        <p:cNvGrpSpPr/>
-        <p:nvPr/>
-      </p:nvGrpSpPr>
-      <p:grpSpPr>
-        <a:xfrm>
-          <a:off x="0" y="0"/>
-          <a:ext cx="0" cy="0"/>
-          <a:chOff x="0" y="0"/>
-          <a:chExt cx="0" cy="0"/>
-        </a:xfrm>
-      </p:grpSpPr>
-      <p:sp>
-        <p:nvSpPr>
-          <p:cNvPr id="2" name="Title 1"/>
-          <p:cNvSpPr>
-            <a:spLocks noGrp="1"/>
-          </p:cNvSpPr>
-          <p:nvPr>
-            <p:ph type="title"/>
-          </p:nvPr>
-        </p:nvSpPr>
-        <p:spPr/>
-        <p:txBody>
-          <a:bodyPr/>
-          <a:lstStyle/>
-          <a:p>
-            <a:r>
-              <a:rPr lang="en-US" dirty="0" smtClean="0"/>
-              <a:t>Keys to Success</a:t>
-            </a:r>
-            <a:endParaRPr lang="en-US" dirty="0"/>
-          </a:p>
-        </p:txBody>
-      </p:sp>
-      <p:sp>
-        <p:nvSpPr>
-          <p:cNvPr id="3" name="Content Placeholder 2"/>
-          <p:cNvSpPr>
-            <a:spLocks noGrp="1"/>
-          </p:cNvSpPr>
-          <p:nvPr>
-            <p:ph idx="1"/>
-          </p:nvPr>
-        </p:nvSpPr>
-        <p:spPr>
-          <a:xfrm>
-            <a:off x="838200" y="2362200"/>
-            <a:ext cx="7467600" cy="3276600"/>
-          </a:xfrm>
-        </p:spPr>
-        <p:txBody>
-          <a:bodyPr>
-            <a:normAutofit/>
-          </a:bodyPr>
-          <a:lstStyle/>
-          <a:p>
-            <a:r>
-              <a:rPr lang="en-US" sz="4400" dirty="0" smtClean="0"/>
-              <a:t>Well-defined goal</a:t>
-            </a:r>
-          </a:p>
-          <a:p>
-            <a:r>
-              <a:rPr lang="en-US" sz="4400" dirty="0" smtClean="0"/>
-              <a:t>Skilled team members</a:t>
-            </a:r>
-          </a:p>
-          <a:p>
-            <a:r>
-              <a:rPr lang="en-US" sz="4400" dirty="0" smtClean="0"/>
-              <a:t>Strict time limit</a:t>
-            </a:r>
-            <a:endParaRPr lang="en-US" sz="4400" dirty="0"/>
-          </a:p>
-        </p:txBody>
-      </p:sp>
-    </p:spTree>
-  </p:cSld>
-  <p:clrMapOvr>
-    <a:masterClrMapping/>
-  </p:clrMapOvr>
-</p:sld>
-</file>
-
 <file path=ppt/slides/slide12.xml><?xml version="1.0" encoding="utf-8"?>
 <p:sld xmlns:a="http://schemas.openxmlformats.org/drawingml/2006/main" xmlns:r="http://schemas.openxmlformats.org/officeDocument/2006/relationships" xmlns:p="http://schemas.openxmlformats.org/presentationml/2006/main">
   <p:cSld>
@@ -3356,7 +3335,7 @@
           <a:p>
             <a:r>
               <a:rPr lang="en-US" dirty="0" smtClean="0"/>
-              <a:t>Room for Improvement</a:t>
+              <a:t>Keys to Success</a:t>
             </a:r>
             <a:endParaRPr lang="en-US" dirty="0"/>
           </a:p>
@@ -3374,8 +3353,8 @@
         </p:nvSpPr>
         <p:spPr>
           <a:xfrm>
-            <a:off x="457200" y="2438400"/>
-            <a:ext cx="8229600" cy="2438400"/>
+            <a:off x="838200" y="2362200"/>
+            <a:ext cx="7467600" cy="3276600"/>
           </a:xfrm>
         </p:spPr>
         <p:txBody>
@@ -3385,34 +3364,22 @@
           <a:lstStyle/>
           <a:p>
             <a:r>
-              <a:rPr lang="en-US" sz="3600" dirty="0" smtClean="0"/>
-              <a:t>Time wasted on workplace logistics</a:t>
-            </a:r>
-          </a:p>
-          <a:p>
-            <a:r>
-              <a:rPr lang="en-US" sz="3600" dirty="0" smtClean="0"/>
-              <a:t>Questions </a:t>
-            </a:r>
-            <a:r>
-              <a:rPr lang="en-US" sz="3600" dirty="0" smtClean="0"/>
-              <a:t>about development stack</a:t>
-            </a:r>
-          </a:p>
-          <a:p>
-            <a:r>
-              <a:rPr lang="en-US" sz="3600" dirty="0" smtClean="0"/>
-              <a:t>Clarifying </a:t>
-            </a:r>
-            <a:r>
-              <a:rPr lang="en-US" sz="3600" dirty="0" smtClean="0"/>
-              <a:t>the </a:t>
-            </a:r>
-            <a:r>
-              <a:rPr lang="en-US" sz="3600" dirty="0" smtClean="0"/>
-              <a:t>goal</a:t>
-            </a:r>
-            <a:endParaRPr lang="en-US" sz="3600" dirty="0" smtClean="0"/>
+              <a:rPr lang="en-US" sz="4400" dirty="0" smtClean="0"/>
+              <a:t>Well-defined goal</a:t>
+            </a:r>
+          </a:p>
+          <a:p>
+            <a:r>
+              <a:rPr lang="en-US" sz="4400" dirty="0" smtClean="0"/>
+              <a:t>Skilled team members</a:t>
+            </a:r>
+          </a:p>
+          <a:p>
+            <a:r>
+              <a:rPr lang="en-US" sz="4400" dirty="0" smtClean="0"/>
+              <a:t>Strict time limit</a:t>
+            </a:r>
+            <a:endParaRPr lang="en-US" sz="4400" dirty="0"/>
           </a:p>
         </p:txBody>
       </p:sp>
@@ -3458,11 +3425,7 @@
           <a:p>
             <a:r>
               <a:rPr lang="en-US" dirty="0" smtClean="0"/>
-              <a:t>It’s Real </a:t>
-            </a:r>
-            <a:r>
-              <a:rPr lang="en-US" dirty="0" smtClean="0"/>
-              <a:t>Work</a:t>
+              <a:t>Room for Improvement</a:t>
             </a:r>
             <a:endParaRPr lang="en-US" dirty="0"/>
           </a:p>
@@ -3480,22 +3443,32 @@
         </p:nvSpPr>
         <p:spPr>
           <a:xfrm>
-            <a:off x="457200" y="2286000"/>
-            <a:ext cx="8229600" cy="1295400"/>
+            <a:off x="457200" y="2438400"/>
+            <a:ext cx="8229600" cy="2438400"/>
           </a:xfrm>
         </p:spPr>
         <p:txBody>
-          <a:bodyPr/>
-          <a:lstStyle/>
-          <a:p>
-            <a:pPr algn="ctr">
-              <a:buNone/>
-            </a:pPr>
-            <a:r>
-              <a:rPr lang="en-US" dirty="0" smtClean="0"/>
-              <a:t>It may be fun, but it's not playtime.</a:t>
-            </a:r>
-            <a:endParaRPr lang="en-US" dirty="0"/>
+          <a:bodyPr>
+            <a:normAutofit/>
+          </a:bodyPr>
+          <a:lstStyle/>
+          <a:p>
+            <a:r>
+              <a:rPr lang="en-US" sz="3600" dirty="0" smtClean="0"/>
+              <a:t>Time wasted on workplace logistics</a:t>
+            </a:r>
+          </a:p>
+          <a:p>
+            <a:r>
+              <a:rPr lang="en-US" sz="3600" dirty="0" smtClean="0"/>
+              <a:t>Questions about development stack</a:t>
+            </a:r>
+          </a:p>
+          <a:p>
+            <a:r>
+              <a:rPr lang="en-US" sz="3600" dirty="0" smtClean="0"/>
+              <a:t>Clarifying the goal</a:t>
+            </a:r>
           </a:p>
         </p:txBody>
       </p:sp>
@@ -3633,11 +3606,7 @@
           <a:p>
             <a:r>
               <a:rPr lang="en-US" dirty="0" smtClean="0"/>
-              <a:t>Ideal </a:t>
-            </a:r>
-            <a:r>
-              <a:rPr lang="en-US" dirty="0" smtClean="0"/>
-              <a:t>Code Sprint Projects</a:t>
+              <a:t>Ideal Code Sprint Projects</a:t>
             </a:r>
             <a:endParaRPr lang="en-US" dirty="0"/>
           </a:p>
@@ -3667,21 +3636,13 @@
           <a:p>
             <a:r>
               <a:rPr lang="en-US" sz="4000" dirty="0" smtClean="0"/>
-              <a:t>Cross-agency </a:t>
-            </a:r>
+              <a:t>Cross-agency initiatives</a:t>
+            </a:r>
+          </a:p>
+          <a:p>
             <a:r>
               <a:rPr lang="en-US" sz="4000" dirty="0" smtClean="0"/>
-              <a:t>initiatives</a:t>
-            </a:r>
-          </a:p>
-          <a:p>
-            <a:r>
-              <a:rPr lang="en-US" sz="4000" dirty="0" smtClean="0"/>
-              <a:t>Switch </a:t>
-            </a:r>
-            <a:r>
-              <a:rPr lang="en-US" sz="4000" dirty="0" smtClean="0"/>
-              <a:t>from Subversion to </a:t>
+              <a:t>Switch from Subversion to </a:t>
             </a:r>
             <a:r>
               <a:rPr lang="en-US" sz="4000" dirty="0" err="1" smtClean="0"/>
@@ -3692,11 +3653,7 @@
           <a:p>
             <a:r>
               <a:rPr lang="en-US" sz="4000" dirty="0" smtClean="0"/>
-              <a:t>Write </a:t>
-            </a:r>
-            <a:r>
-              <a:rPr lang="en-US" sz="4000" dirty="0" smtClean="0"/>
-              <a:t>documentation</a:t>
+              <a:t>Write documentation</a:t>
             </a:r>
           </a:p>
           <a:p>
@@ -3870,7 +3827,6 @@
               <a:rPr lang="en-US" b="1" dirty="0" smtClean="0"/>
               <a:t>Good</a:t>
             </a:r>
-            <a:endParaRPr lang="en-US" b="1" dirty="0" smtClean="0"/>
           </a:p>
           <a:p>
             <a:pPr algn="ctr">
@@ -3878,15 +3834,7 @@
             </a:pPr>
             <a:r>
               <a:rPr lang="en-US" dirty="0" smtClean="0"/>
-              <a:t>	Beef </a:t>
-            </a:r>
-            <a:r>
-              <a:rPr lang="en-US" dirty="0" smtClean="0"/>
-              <a:t>up your </a:t>
-            </a:r>
-            <a:r>
-              <a:rPr lang="en-US" dirty="0" smtClean="0"/>
-              <a:t>API</a:t>
+              <a:t>	Beef up your API</a:t>
             </a:r>
           </a:p>
           <a:p>
@@ -3903,7 +3851,6 @@
               <a:rPr lang="en-US" b="1" dirty="0" smtClean="0"/>
               <a:t>Better</a:t>
             </a:r>
-            <a:endParaRPr lang="en-US" b="1" dirty="0" smtClean="0"/>
           </a:p>
           <a:p>
             <a:pPr algn="ctr">
@@ -3911,15 +3858,7 @@
             </a:pPr>
             <a:r>
               <a:rPr lang="en-US" dirty="0" smtClean="0"/>
-              <a:t>	Add </a:t>
-            </a:r>
-            <a:r>
-              <a:rPr lang="en-US" dirty="0" smtClean="0"/>
-              <a:t>features to your existing </a:t>
-            </a:r>
-            <a:r>
-              <a:rPr lang="en-US" dirty="0" smtClean="0"/>
-              <a:t>API</a:t>
+              <a:t>	Add features to your existing API</a:t>
             </a:r>
           </a:p>
           <a:p>
@@ -3943,11 +3882,7 @@
             </a:pPr>
             <a:r>
               <a:rPr lang="en-US" dirty="0" smtClean="0"/>
-              <a:t>	Add </a:t>
-            </a:r>
-            <a:r>
-              <a:rPr lang="en-US" dirty="0" smtClean="0"/>
-              <a:t>a JSON option to your API endpoints</a:t>
+              <a:t>	Add a JSON option to your API endpoints</a:t>
             </a:r>
             <a:endParaRPr lang="en-US" dirty="0"/>
           </a:p>
@@ -4118,13 +4053,8 @@
           <a:p>
             <a:r>
               <a:rPr lang="en-US" dirty="0" smtClean="0"/>
-              <a:t>Procure laptops and software, </a:t>
-            </a:r>
-            <a:r>
-              <a:rPr lang="en-US" dirty="0" smtClean="0"/>
-              <a:t>or BYOD </a:t>
-            </a:r>
-            <a:endParaRPr lang="en-US" dirty="0" smtClean="0"/>
+              <a:t>Procure laptops and software, or BYOD </a:t>
+            </a:r>
           </a:p>
           <a:p>
             <a:r>
@@ -4207,13 +4137,11 @@
           <a:p>
             <a:r>
               <a:rPr lang="en-US" sz="3600" dirty="0" smtClean="0"/>
-              <a:t>Small, dedicated team</a:t>
-            </a:r>
-          </a:p>
-          <a:p>
+              <a:t>One </a:t>
+            </a:r>
             <a:r>
               <a:rPr lang="en-US" sz="3600" dirty="0" smtClean="0"/>
-              <a:t>One simple goal — no distractions</a:t>
+              <a:t>simple goal — no distractions</a:t>
             </a:r>
           </a:p>
           <a:p>
@@ -4400,23 +4328,11 @@
             </a:r>
             <a:r>
               <a:rPr lang="en-US" sz="4400" b="1" dirty="0" smtClean="0"/>
-              <a:t>short </a:t>
-            </a:r>
-            <a:r>
-              <a:rPr lang="en-US" sz="4400" b="1" dirty="0" smtClean="0"/>
-              <a:t>period of </a:t>
-            </a:r>
-            <a:r>
-              <a:rPr lang="en-US" sz="4400" b="1" dirty="0" smtClean="0"/>
-              <a:t>time</a:t>
+              <a:t>short period of time</a:t>
             </a:r>
             <a:r>
               <a:rPr lang="en-US" sz="4400" dirty="0" smtClean="0"/>
-              <a:t> entirely </a:t>
-            </a:r>
-            <a:r>
-              <a:rPr lang="en-US" sz="4400" dirty="0" smtClean="0"/>
-              <a:t>to </a:t>
+              <a:t> entirely to </a:t>
             </a:r>
             <a:r>
               <a:rPr lang="en-US" sz="4400" b="1" dirty="0" smtClean="0"/>
@@ -4472,7 +4388,7 @@
           <a:p>
             <a:r>
               <a:rPr lang="en-US" dirty="0" smtClean="0"/>
-              <a:t>Why Now?</a:t>
+              <a:t>S.W.A.T. Team</a:t>
             </a:r>
             <a:endParaRPr lang="en-US" dirty="0"/>
           </a:p>
@@ -4480,7 +4396,7 @@
       </p:sp>
       <p:sp>
         <p:nvSpPr>
-          <p:cNvPr id="3" name="Content Placeholder 2"/>
+          <p:cNvPr id="4" name="Content Placeholder 3"/>
           <p:cNvSpPr>
             <a:spLocks noGrp="1"/>
           </p:cNvSpPr>
@@ -4488,7 +4404,12 @@
             <p:ph idx="1"/>
           </p:nvPr>
         </p:nvSpPr>
-        <p:spPr/>
+        <p:spPr>
+          <a:xfrm>
+            <a:off x="1714500" y="2095500"/>
+            <a:ext cx="5715000" cy="2667000"/>
+          </a:xfrm>
+        </p:spPr>
         <p:txBody>
           <a:bodyPr>
             <a:normAutofit/>
@@ -4497,13 +4418,19 @@
           <a:p>
             <a:r>
               <a:rPr lang="en-US" sz="4400" dirty="0" smtClean="0"/>
-              <a:t>Consolidation</a:t>
+              <a:t>Skilled developers</a:t>
             </a:r>
           </a:p>
           <a:p>
             <a:r>
               <a:rPr lang="en-US" sz="4400" dirty="0" smtClean="0"/>
-              <a:t>Connectedness</a:t>
+              <a:t>Small group</a:t>
+            </a:r>
+          </a:p>
+          <a:p>
+            <a:r>
+              <a:rPr lang="en-US" sz="4400" dirty="0" smtClean="0"/>
+              <a:t>Startup mentality</a:t>
             </a:r>
             <a:endParaRPr lang="en-US" sz="4400" dirty="0"/>
           </a:p>
@@ -4569,14 +4496,22 @@
         </p:nvSpPr>
         <p:spPr/>
         <p:txBody>
-          <a:bodyPr/>
-          <a:lstStyle/>
-          <a:p>
-            <a:r>
-              <a:rPr lang="en-US" sz="4400" dirty="0" err="1" smtClean="0"/>
-              <a:t>GitHub</a:t>
-            </a:r>
-            <a:endParaRPr lang="en-US" dirty="0" smtClean="0"/>
+          <a:bodyPr>
+            <a:normAutofit/>
+          </a:bodyPr>
+          <a:lstStyle/>
+          <a:p>
+            <a:r>
+              <a:rPr lang="en-US" sz="4400" dirty="0" smtClean="0"/>
+              <a:t>Consolidation</a:t>
+            </a:r>
+          </a:p>
+          <a:p>
+            <a:r>
+              <a:rPr lang="en-US" sz="4400" dirty="0" smtClean="0"/>
+              <a:t>Connectedness</a:t>
+            </a:r>
+            <a:endParaRPr lang="en-US" sz="4400" dirty="0"/>
           </a:p>
         </p:txBody>
       </p:sp>
@@ -4615,19 +4550,14 @@
             <p:ph type="title"/>
           </p:nvPr>
         </p:nvSpPr>
-        <p:spPr>
-          <a:xfrm>
-            <a:off x="457200" y="274638"/>
-            <a:ext cx="8229600" cy="1143000"/>
-          </a:xfrm>
-        </p:spPr>
+        <p:spPr/>
         <p:txBody>
           <a:bodyPr/>
           <a:lstStyle/>
           <a:p>
             <a:r>
               <a:rPr lang="en-US" dirty="0" smtClean="0"/>
-              <a:t>Successful Code Sprints</a:t>
+              <a:t>Why Now?</a:t>
             </a:r>
             <a:endParaRPr lang="en-US" dirty="0"/>
           </a:p>
@@ -4643,115 +4573,16 @@
             <p:ph idx="1"/>
           </p:nvPr>
         </p:nvSpPr>
-        <p:spPr>
-          <a:xfrm>
-            <a:off x="457200" y="2057400"/>
-            <a:ext cx="8229600" cy="3429000"/>
-          </a:xfrm>
-        </p:spPr>
-        <p:txBody>
-          <a:bodyPr/>
-          <a:lstStyle/>
-          <a:p>
-            <a:r>
-              <a:rPr lang="en-US" sz="4400" dirty="0" smtClean="0"/>
-              <a:t>Open </a:t>
-            </a:r>
-            <a:r>
-              <a:rPr lang="en-US" sz="4400" dirty="0" smtClean="0"/>
-              <a:t>Data</a:t>
-            </a:r>
-            <a:r>
-              <a:rPr lang="en-US" dirty="0" smtClean="0"/>
-              <a:t/>
-            </a:r>
-            <a:br>
-              <a:rPr lang="en-US" dirty="0" smtClean="0"/>
-            </a:br>
+        <p:spPr/>
+        <p:txBody>
+          <a:bodyPr/>
+          <a:lstStyle/>
+          <a:p>
+            <a:r>
+              <a:rPr lang="en-US" sz="4400" dirty="0" err="1" smtClean="0"/>
+              <a:t>GitHub</a:t>
+            </a:r>
             <a:endParaRPr lang="en-US" dirty="0" smtClean="0"/>
-          </a:p>
-          <a:p>
-            <a:r>
-              <a:rPr lang="en-US" sz="4400" dirty="0" smtClean="0"/>
-              <a:t>DMV Registration </a:t>
-            </a:r>
-            <a:r>
-              <a:rPr lang="en-US" sz="4400" dirty="0" smtClean="0"/>
-              <a:t>Renewal</a:t>
-            </a:r>
-            <a:endParaRPr lang="en-US" dirty="0">
-              <a:solidFill>
-                <a:schemeClr val="accent6">
-                  <a:lumMod val="40000"/>
-                  <a:lumOff val="60000"/>
-                </a:schemeClr>
-              </a:solidFill>
-              <a:latin typeface="Consolas" pitchFamily="49" charset="0"/>
-              <a:cs typeface="Consolas" pitchFamily="49" charset="0"/>
-            </a:endParaRPr>
-          </a:p>
-        </p:txBody>
-      </p:sp>
-      <p:sp>
-        <p:nvSpPr>
-          <p:cNvPr id="4" name="Rectangle 3"/>
-          <p:cNvSpPr/>
-          <p:nvPr/>
-        </p:nvSpPr>
-        <p:spPr>
-          <a:xfrm>
-            <a:off x="2950402" y="5786735"/>
-            <a:ext cx="3243196" cy="461665"/>
-          </a:xfrm>
-          <a:prstGeom prst="rect">
-            <a:avLst/>
-          </a:prstGeom>
-        </p:spPr>
-        <p:txBody>
-          <a:bodyPr wrap="none">
-            <a:spAutoFit/>
-          </a:bodyPr>
-          <a:lstStyle/>
-          <a:p>
-            <a:r>
-              <a:rPr lang="en-US" sz="2400" dirty="0" smtClean="0">
-                <a:solidFill>
-                  <a:schemeClr val="accent6">
-                    <a:lumMod val="40000"/>
-                    <a:lumOff val="60000"/>
-                  </a:schemeClr>
-                </a:solidFill>
-                <a:latin typeface="Consolas" pitchFamily="49" charset="0"/>
-                <a:cs typeface="Consolas" pitchFamily="49" charset="0"/>
-              </a:rPr>
-              <a:t>github.com/</a:t>
-            </a:r>
-            <a:r>
-              <a:rPr lang="en-US" sz="2400" dirty="0" err="1" smtClean="0">
-                <a:solidFill>
-                  <a:schemeClr val="accent6">
-                    <a:lumMod val="40000"/>
-                    <a:lumOff val="60000"/>
-                  </a:schemeClr>
-                </a:solidFill>
-                <a:latin typeface="Consolas" pitchFamily="49" charset="0"/>
-                <a:cs typeface="Consolas" pitchFamily="49" charset="0"/>
-              </a:rPr>
-              <a:t>nys</a:t>
-            </a:r>
-            <a:r>
-              <a:rPr lang="en-US" sz="2400" dirty="0" smtClean="0">
-                <a:solidFill>
-                  <a:schemeClr val="accent6">
-                    <a:lumMod val="40000"/>
-                    <a:lumOff val="60000"/>
-                  </a:schemeClr>
-                </a:solidFill>
-                <a:latin typeface="Consolas" pitchFamily="49" charset="0"/>
-                <a:cs typeface="Consolas" pitchFamily="49" charset="0"/>
-              </a:rPr>
-              <a:t>-its</a:t>
-            </a:r>
           </a:p>
         </p:txBody>
       </p:sp>
@@ -4820,73 +4651,17 @@
         </p:nvSpPr>
         <p:spPr>
           <a:xfrm>
-            <a:off x="1257300" y="2369641"/>
-            <a:ext cx="6629400" cy="3429000"/>
+            <a:off x="457200" y="2057400"/>
+            <a:ext cx="8229600" cy="3429000"/>
           </a:xfrm>
         </p:spPr>
         <p:txBody>
-          <a:bodyPr>
-            <a:normAutofit fontScale="92500" lnSpcReduction="10000"/>
-          </a:bodyPr>
-          <a:lstStyle/>
-          <a:p>
-            <a:pPr>
-              <a:buNone/>
-            </a:pPr>
-            <a:r>
-              <a:rPr lang="en-US" sz="3300" dirty="0" smtClean="0">
-                <a:solidFill>
-                  <a:schemeClr val="accent6">
-                    <a:lumMod val="40000"/>
-                    <a:lumOff val="60000"/>
-                  </a:schemeClr>
-                </a:solidFill>
-              </a:rPr>
-              <a:t>Sites</a:t>
-            </a:r>
-            <a:endParaRPr lang="en-US" sz="3500" dirty="0" smtClean="0">
-              <a:solidFill>
-                <a:schemeClr val="accent6">
-                  <a:lumMod val="40000"/>
-                  <a:lumOff val="60000"/>
-                </a:schemeClr>
-              </a:solidFill>
-            </a:endParaRPr>
-          </a:p>
-          <a:p>
-            <a:pPr lvl="1">
-              <a:buNone/>
-            </a:pPr>
-            <a:r>
-              <a:rPr lang="en-US" sz="3800" dirty="0" smtClean="0"/>
-              <a:t>Go </a:t>
-            </a:r>
-            <a:r>
-              <a:rPr lang="en-US" sz="3800" dirty="0" smtClean="0"/>
-              <a:t>Responsive</a:t>
-            </a:r>
-            <a:endParaRPr lang="en-US" dirty="0" smtClean="0">
-              <a:solidFill>
-                <a:schemeClr val="accent6">
-                  <a:lumMod val="40000"/>
-                  <a:lumOff val="60000"/>
-                </a:schemeClr>
-              </a:solidFill>
-              <a:latin typeface="Consolas" pitchFamily="49" charset="0"/>
-              <a:cs typeface="Consolas" pitchFamily="49" charset="0"/>
-            </a:endParaRPr>
-          </a:p>
-          <a:p>
-            <a:pPr lvl="1">
-              <a:buNone/>
-            </a:pPr>
-            <a:r>
-              <a:rPr lang="en-US" sz="3800" dirty="0" smtClean="0"/>
-              <a:t>NYS Division of Tax </a:t>
-            </a:r>
-            <a:r>
-              <a:rPr lang="en-US" sz="3800" dirty="0" smtClean="0"/>
-              <a:t>Appeals</a:t>
+          <a:bodyPr/>
+          <a:lstStyle/>
+          <a:p>
+            <a:r>
+              <a:rPr lang="en-US" sz="4400" dirty="0" smtClean="0"/>
+              <a:t>Open Data</a:t>
             </a:r>
             <a:r>
               <a:rPr lang="en-US" dirty="0" smtClean="0"/>
@@ -4898,28 +4673,9 @@
             <a:endParaRPr lang="en-US" dirty="0" smtClean="0"/>
           </a:p>
           <a:p>
-            <a:pPr>
-              <a:buNone/>
-            </a:pPr>
-            <a:r>
-              <a:rPr lang="en-US" sz="3300" dirty="0" smtClean="0">
-                <a:solidFill>
-                  <a:schemeClr val="accent6">
-                    <a:lumMod val="40000"/>
-                    <a:lumOff val="60000"/>
-                  </a:schemeClr>
-                </a:solidFill>
-              </a:rPr>
-              <a:t>Framework</a:t>
-            </a:r>
-          </a:p>
-          <a:p>
-            <a:pPr lvl="1">
-              <a:buNone/>
-            </a:pPr>
-            <a:r>
-              <a:rPr lang="en-US" sz="3800" dirty="0" smtClean="0"/>
-              <a:t>Excelsior</a:t>
+            <a:r>
+              <a:rPr lang="en-US" sz="4400" dirty="0" smtClean="0"/>
+              <a:t>DMV Registration Renewal</a:t>
             </a:r>
             <a:endParaRPr lang="en-US" dirty="0">
               <a:solidFill>
@@ -4942,39 +4698,7 @@
         </p:nvSpPr>
         <p:spPr>
           <a:xfrm>
-            <a:off x="1354613" y="1524000"/>
-            <a:ext cx="6434775" cy="769441"/>
-          </a:xfrm>
-          <a:prstGeom prst="rect">
-            <a:avLst/>
-          </a:prstGeom>
-        </p:spPr>
-        <p:txBody>
-          <a:bodyPr wrap="none">
-            <a:spAutoFit/>
-          </a:bodyPr>
-          <a:lstStyle/>
-          <a:p>
-            <a:r>
-              <a:rPr lang="en-US" sz="4400" dirty="0" smtClean="0"/>
-              <a:t>Responsive Web </a:t>
-            </a:r>
-            <a:r>
-              <a:rPr lang="en-US" sz="4400" dirty="0" smtClean="0"/>
-              <a:t>Design</a:t>
-            </a:r>
-          </a:p>
-        </p:txBody>
-      </p:sp>
-      <p:sp>
-        <p:nvSpPr>
-          <p:cNvPr id="5" name="Rectangle 4"/>
-          <p:cNvSpPr/>
-          <p:nvPr/>
-        </p:nvSpPr>
-        <p:spPr>
-          <a:xfrm>
-            <a:off x="2950402" y="5943600"/>
+            <a:off x="2950402" y="5786735"/>
             <a:ext cx="3243196" cy="461665"/>
           </a:xfrm>
           <a:prstGeom prst="rect">
@@ -5026,16 +4750,6 @@
               </a:rPr>
               <a:t>-its</a:t>
             </a:r>
-            <a:endParaRPr lang="en-US" sz="2400" dirty="0">
-              <a:solidFill>
-                <a:schemeClr val="accent6">
-                  <a:lumMod val="40000"/>
-                  <a:lumOff val="60000"/>
-                </a:schemeClr>
-              </a:solidFill>
-              <a:latin typeface="Consolas" pitchFamily="49" charset="0"/>
-              <a:cs typeface="Consolas" pitchFamily="49" charset="0"/>
-            </a:endParaRPr>
           </a:p>
         </p:txBody>
       </p:sp>
@@ -5074,45 +4788,243 @@
             <p:ph type="title"/>
           </p:nvPr>
         </p:nvSpPr>
-        <p:spPr/>
+        <p:spPr>
+          <a:xfrm>
+            <a:off x="457200" y="274638"/>
+            <a:ext cx="8229600" cy="1143000"/>
+          </a:xfrm>
+        </p:spPr>
         <p:txBody>
           <a:bodyPr/>
           <a:lstStyle/>
           <a:p>
             <a:r>
               <a:rPr lang="en-US" dirty="0" smtClean="0"/>
-              <a:t>In the Thick of It</a:t>
+              <a:t>Successful Code Sprints</a:t>
             </a:r>
             <a:endParaRPr lang="en-US" dirty="0"/>
           </a:p>
         </p:txBody>
       </p:sp>
-      <p:pic>
-        <p:nvPicPr>
-          <p:cNvPr id="4" name="Picture 2" descr="D:\Dropbox\ITS\code-sprint-pres\img\2013-04-05 10-42-05 [P1020877] edited ITS Excelsior Sprint.jpg"/>
-          <p:cNvPicPr>
-            <a:picLocks noChangeAspect="1" noChangeArrowheads="1"/>
-          </p:cNvPicPr>
+      <p:sp>
+        <p:nvSpPr>
+          <p:cNvPr id="3" name="Content Placeholder 2"/>
+          <p:cNvSpPr>
+            <a:spLocks noGrp="1"/>
+          </p:cNvSpPr>
+          <p:nvPr>
+            <p:ph idx="1"/>
+          </p:nvPr>
+        </p:nvSpPr>
+        <p:spPr>
+          <a:xfrm>
+            <a:off x="1257300" y="2369641"/>
+            <a:ext cx="6629400" cy="3429000"/>
+          </a:xfrm>
+        </p:spPr>
+        <p:txBody>
+          <a:bodyPr>
+            <a:normAutofit fontScale="92500" lnSpcReduction="10000"/>
+          </a:bodyPr>
+          <a:lstStyle/>
+          <a:p>
+            <a:pPr>
+              <a:buNone/>
+            </a:pPr>
+            <a:r>
+              <a:rPr lang="en-US" sz="3300" dirty="0" smtClean="0">
+                <a:solidFill>
+                  <a:schemeClr val="accent6">
+                    <a:lumMod val="40000"/>
+                    <a:lumOff val="60000"/>
+                  </a:schemeClr>
+                </a:solidFill>
+              </a:rPr>
+              <a:t>Sites</a:t>
+            </a:r>
+            <a:endParaRPr lang="en-US" sz="3500" dirty="0" smtClean="0">
+              <a:solidFill>
+                <a:schemeClr val="accent6">
+                  <a:lumMod val="40000"/>
+                  <a:lumOff val="60000"/>
+                </a:schemeClr>
+              </a:solidFill>
+            </a:endParaRPr>
+          </a:p>
+          <a:p>
+            <a:pPr lvl="1">
+              <a:buNone/>
+            </a:pPr>
+            <a:r>
+              <a:rPr lang="en-US" sz="3800" dirty="0" smtClean="0"/>
+              <a:t>Go Responsive</a:t>
+            </a:r>
+            <a:endParaRPr lang="en-US" dirty="0" smtClean="0">
+              <a:solidFill>
+                <a:schemeClr val="accent6">
+                  <a:lumMod val="40000"/>
+                  <a:lumOff val="60000"/>
+                </a:schemeClr>
+              </a:solidFill>
+              <a:latin typeface="Consolas" pitchFamily="49" charset="0"/>
+              <a:cs typeface="Consolas" pitchFamily="49" charset="0"/>
+            </a:endParaRPr>
+          </a:p>
+          <a:p>
+            <a:pPr lvl="1">
+              <a:buNone/>
+            </a:pPr>
+            <a:r>
+              <a:rPr lang="en-US" sz="3800" dirty="0" smtClean="0"/>
+              <a:t>NYS Division of Tax Appeals</a:t>
+            </a:r>
+            <a:r>
+              <a:rPr lang="en-US" dirty="0" smtClean="0"/>
+              <a:t/>
+            </a:r>
+            <a:br>
+              <a:rPr lang="en-US" dirty="0" smtClean="0"/>
+            </a:br>
+            <a:endParaRPr lang="en-US" dirty="0" smtClean="0"/>
+          </a:p>
+          <a:p>
+            <a:pPr>
+              <a:buNone/>
+            </a:pPr>
+            <a:r>
+              <a:rPr lang="en-US" sz="3300" dirty="0" smtClean="0">
+                <a:solidFill>
+                  <a:schemeClr val="accent6">
+                    <a:lumMod val="40000"/>
+                    <a:lumOff val="60000"/>
+                  </a:schemeClr>
+                </a:solidFill>
+              </a:rPr>
+              <a:t>Framework</a:t>
+            </a:r>
+          </a:p>
+          <a:p>
+            <a:pPr lvl="1">
+              <a:buNone/>
+            </a:pPr>
+            <a:r>
+              <a:rPr lang="en-US" sz="3800" dirty="0" smtClean="0"/>
+              <a:t>Excelsior</a:t>
+            </a:r>
+            <a:endParaRPr lang="en-US" dirty="0">
+              <a:solidFill>
+                <a:schemeClr val="accent6">
+                  <a:lumMod val="40000"/>
+                  <a:lumOff val="60000"/>
+                </a:schemeClr>
+              </a:solidFill>
+              <a:latin typeface="Consolas" pitchFamily="49" charset="0"/>
+              <a:cs typeface="Consolas" pitchFamily="49" charset="0"/>
+            </a:endParaRPr>
+          </a:p>
+        </p:txBody>
+      </p:sp>
+      <p:sp>
+        <p:nvSpPr>
+          <p:cNvPr id="4" name="Rectangle 3"/>
+          <p:cNvSpPr/>
           <p:nvPr/>
-        </p:nvPicPr>
-        <p:blipFill>
-          <a:blip r:embed="rId2" cstate="print"/>
-          <a:srcRect/>
-          <a:stretch>
-            <a:fillRect/>
-          </a:stretch>
-        </p:blipFill>
-        <p:spPr bwMode="auto">
+        </p:nvSpPr>
+        <p:spPr>
           <a:xfrm>
-            <a:off x="731520" y="1752600"/>
-            <a:ext cx="7680960" cy="4147719"/>
+            <a:off x="1354613" y="1524000"/>
+            <a:ext cx="6434775" cy="769441"/>
           </a:xfrm>
           <a:prstGeom prst="rect">
             <a:avLst/>
           </a:prstGeom>
-          <a:noFill/>
         </p:spPr>
-      </p:pic>
+        <p:txBody>
+          <a:bodyPr wrap="none">
+            <a:spAutoFit/>
+          </a:bodyPr>
+          <a:lstStyle/>
+          <a:p>
+            <a:r>
+              <a:rPr lang="en-US" sz="4400" dirty="0" smtClean="0"/>
+              <a:t>Responsive Web Design</a:t>
+            </a:r>
+          </a:p>
+        </p:txBody>
+      </p:sp>
+      <p:sp>
+        <p:nvSpPr>
+          <p:cNvPr id="5" name="Rectangle 4"/>
+          <p:cNvSpPr/>
+          <p:nvPr/>
+        </p:nvSpPr>
+        <p:spPr>
+          <a:xfrm>
+            <a:off x="2950402" y="5943600"/>
+            <a:ext cx="3243196" cy="461665"/>
+          </a:xfrm>
+          <a:prstGeom prst="rect">
+            <a:avLst/>
+          </a:prstGeom>
+        </p:spPr>
+        <p:txBody>
+          <a:bodyPr wrap="none">
+            <a:spAutoFit/>
+          </a:bodyPr>
+          <a:lstStyle/>
+          <a:p>
+            <a:r>
+              <a:rPr lang="en-US" sz="2400" dirty="0" smtClean="0">
+                <a:solidFill>
+                  <a:schemeClr val="accent6">
+                    <a:lumMod val="40000"/>
+                    <a:lumOff val="60000"/>
+                  </a:schemeClr>
+                </a:solidFill>
+                <a:latin typeface="Consolas" pitchFamily="49" charset="0"/>
+                <a:cs typeface="Consolas" pitchFamily="49" charset="0"/>
+              </a:rPr>
+              <a:t>github.com/</a:t>
+            </a:r>
+            <a:r>
+              <a:rPr lang="en-US" sz="2400" dirty="0" err="1" smtClean="0">
+                <a:solidFill>
+                  <a:schemeClr val="accent6">
+                    <a:lumMod val="40000"/>
+                    <a:lumOff val="60000"/>
+                  </a:schemeClr>
+                </a:solidFill>
+                <a:latin typeface="Consolas" pitchFamily="49" charset="0"/>
+                <a:cs typeface="Consolas" pitchFamily="49" charset="0"/>
+              </a:rPr>
+              <a:t>nys</a:t>
+            </a:r>
+            <a:r>
+              <a:rPr lang="en-US" sz="2400" dirty="0" smtClean="0">
+                <a:solidFill>
+                  <a:schemeClr val="accent6">
+                    <a:lumMod val="40000"/>
+                    <a:lumOff val="60000"/>
+                  </a:schemeClr>
+                </a:solidFill>
+                <a:latin typeface="Consolas" pitchFamily="49" charset="0"/>
+                <a:cs typeface="Consolas" pitchFamily="49" charset="0"/>
+              </a:rPr>
+              <a:t>-its</a:t>
+            </a:r>
+            <a:endParaRPr lang="en-US" sz="2400" dirty="0">
+              <a:solidFill>
+                <a:schemeClr val="accent6">
+                  <a:lumMod val="40000"/>
+                  <a:lumOff val="60000"/>
+                </a:schemeClr>
+              </a:solidFill>
+              <a:latin typeface="Consolas" pitchFamily="49" charset="0"/>
+              <a:cs typeface="Consolas" pitchFamily="49" charset="0"/>
+            </a:endParaRPr>
+          </a:p>
+        </p:txBody>
+      </p:sp>
     </p:spTree>
   </p:cSld>
   <p:clrMapOvr>
@@ -5163,7 +5075,7 @@
       </p:sp>
       <p:pic>
         <p:nvPicPr>
-          <p:cNvPr id="2050" name="Picture 2" descr="D:\Dropbox\ITS\code-sprint-pres\img\2013-04-05 09-52-03 [P1020874] edited ITS Excelsior Sprint.jpg"/>
+          <p:cNvPr id="4" name="Picture 2" descr="D:\Dropbox\ITS\code-sprint-pres\img\2013-04-05 10-42-05 [P1020877] edited ITS Excelsior Sprint.jpg"/>
           <p:cNvPicPr>
             <a:picLocks noChangeAspect="1" noChangeArrowheads="1"/>
           </p:cNvPicPr>
@@ -5178,8 +5090,8 @@
         </p:blipFill>
         <p:spPr bwMode="auto">
           <a:xfrm>
-            <a:off x="731520" y="1716747"/>
-            <a:ext cx="7680960" cy="4531653"/>
+            <a:off x="731520" y="1752600"/>
+            <a:ext cx="7680960" cy="4147719"/>
           </a:xfrm>
           <a:prstGeom prst="rect">
             <a:avLst/>

--- a/code-sprint.pptx
+++ b/code-sprint.pptx
@@ -1,6 +1,6 @@
 
 <file path=ppt/presentation.xml><?xml version="1.0" encoding="utf-8"?>
-<p:presentation xmlns:a="http://schemas.openxmlformats.org/drawingml/2006/main" xmlns:r="http://schemas.openxmlformats.org/officeDocument/2006/relationships" xmlns:p="http://schemas.openxmlformats.org/presentationml/2006/main" saveSubsetFonts="1">
+<p:presentation xmlns:a="http://schemas.openxmlformats.org/drawingml/2006/main" xmlns:r="http://schemas.openxmlformats.org/officeDocument/2006/relationships" xmlns:p="http://schemas.openxmlformats.org/presentationml/2006/main" embedTrueTypeFonts="1">
   <p:sldMasterIdLst>
     <p:sldMasterId id="2147483648" r:id="rId1"/>
   </p:sldMasterIdLst>
@@ -28,6 +28,29 @@
   </p:sldIdLst>
   <p:sldSz cx="9144000" cy="6858000" type="screen4x3"/>
   <p:notesSz cx="6858000" cy="9144000"/>
+  <p:embeddedFontLst>
+    <p:embeddedFont>
+      <p:font typeface="Aller" pitchFamily="2" charset="0"/>
+      <p:regular r:id="rId22"/>
+      <p:bold r:id="rId23"/>
+      <p:italic r:id="rId24"/>
+      <p:boldItalic r:id="rId25"/>
+    </p:embeddedFont>
+    <p:embeddedFont>
+      <p:font typeface="Open Sans" pitchFamily="34" charset="0"/>
+      <p:regular r:id="rId26"/>
+      <p:bold r:id="rId27"/>
+      <p:italic r:id="rId28"/>
+      <p:boldItalic r:id="rId29"/>
+    </p:embeddedFont>
+    <p:embeddedFont>
+      <p:font typeface="Consolas" pitchFamily="49" charset="0"/>
+      <p:regular r:id="rId30"/>
+      <p:bold r:id="rId31"/>
+      <p:italic r:id="rId32"/>
+      <p:boldItalic r:id="rId33"/>
+    </p:embeddedFont>
+  </p:embeddedFontLst>
   <p:defaultTextStyle>
     <a:defPPr>
       <a:defRPr lang="en-US"/>
@@ -3217,6 +3240,11 @@
             <a:avLst/>
           </a:prstGeom>
           <a:noFill/>
+          <a:ln>
+            <a:solidFill>
+              <a:schemeClr val="accent1"/>
+            </a:solidFill>
+          </a:ln>
         </p:spPr>
       </p:pic>
     </p:spTree>
@@ -3291,6 +3319,11 @@
             <a:avLst/>
           </a:prstGeom>
           <a:noFill/>
+          <a:ln>
+            <a:solidFill>
+              <a:schemeClr val="accent1"/>
+            </a:solidFill>
+          </a:ln>
         </p:spPr>
       </p:pic>
     </p:spTree>
@@ -3461,7 +3494,11 @@
           <a:p>
             <a:r>
               <a:rPr lang="en-US" sz="3600" dirty="0" smtClean="0"/>
-              <a:t>Questions about development stack</a:t>
+              <a:t>Uncertain </a:t>
+            </a:r>
+            <a:r>
+              <a:rPr lang="en-US" sz="3600" dirty="0" smtClean="0"/>
+              <a:t>development stack</a:t>
             </a:r>
           </a:p>
           <a:p>
@@ -3532,8 +3569,8 @@
         </p:nvSpPr>
         <p:spPr>
           <a:xfrm>
-            <a:off x="457200" y="2133600"/>
-            <a:ext cx="8229600" cy="2286000"/>
+            <a:off x="609600" y="2133600"/>
+            <a:ext cx="7924800" cy="3048000"/>
           </a:xfrm>
         </p:spPr>
         <p:txBody>
@@ -3543,22 +3580,26 @@
           <a:lstStyle/>
           <a:p>
             <a:r>
-              <a:rPr lang="en-US" dirty="0" smtClean="0"/>
-              <a:t>Small modules within a larger project</a:t>
-            </a:r>
-          </a:p>
-          <a:p>
-            <a:r>
-              <a:rPr lang="en-US" dirty="0" smtClean="0"/>
+              <a:rPr lang="en-US" sz="4000" dirty="0" smtClean="0"/>
+              <a:t>Cross-agency initiatives</a:t>
+            </a:r>
+          </a:p>
+          <a:p>
+            <a:r>
+              <a:rPr lang="en-US" sz="4000" dirty="0" smtClean="0"/>
+              <a:t>Small pieces of </a:t>
+            </a:r>
+            <a:r>
+              <a:rPr lang="en-US" sz="4000" dirty="0" smtClean="0"/>
+              <a:t>a larger project</a:t>
+            </a:r>
+          </a:p>
+          <a:p>
+            <a:r>
+              <a:rPr lang="en-US" sz="4000" dirty="0" smtClean="0"/>
               <a:t>Exploration</a:t>
             </a:r>
-          </a:p>
-          <a:p>
-            <a:r>
-              <a:rPr lang="en-US" dirty="0" smtClean="0"/>
-              <a:t>Projects that never seem to end</a:t>
-            </a:r>
-            <a:endParaRPr lang="en-US" dirty="0"/>
+            <a:endParaRPr lang="en-US" sz="4000" dirty="0" smtClean="0"/>
           </a:p>
         </p:txBody>
       </p:sp>
@@ -3624,8 +3665,8 @@
         </p:nvSpPr>
         <p:spPr>
           <a:xfrm>
-            <a:off x="457200" y="2057400"/>
-            <a:ext cx="8229600" cy="3733800"/>
+            <a:off x="1028700" y="2057400"/>
+            <a:ext cx="7086600" cy="2971800"/>
           </a:xfrm>
         </p:spPr>
         <p:txBody>
@@ -3636,30 +3677,28 @@
           <a:p>
             <a:r>
               <a:rPr lang="en-US" sz="4000" dirty="0" smtClean="0"/>
-              <a:t>Cross-agency initiatives</a:t>
-            </a:r>
+              <a:t>Porting an application</a:t>
+            </a:r>
+            <a:endParaRPr lang="en-US" sz="4000" dirty="0" smtClean="0"/>
           </a:p>
           <a:p>
             <a:r>
               <a:rPr lang="en-US" sz="4000" dirty="0" smtClean="0"/>
-              <a:t>Switch from Subversion to </a:t>
-            </a:r>
-            <a:r>
-              <a:rPr lang="en-US" sz="4000" dirty="0" err="1" smtClean="0"/>
-              <a:t>Git</a:t>
-            </a:r>
-            <a:endParaRPr lang="en-US" sz="4000" dirty="0" smtClean="0"/>
-          </a:p>
-          <a:p>
+              <a:t>Writing </a:t>
+            </a:r>
             <a:r>
               <a:rPr lang="en-US" sz="4000" dirty="0" smtClean="0"/>
-              <a:t>Write documentation</a:t>
+              <a:t>documentation</a:t>
             </a:r>
           </a:p>
           <a:p>
             <a:r>
               <a:rPr lang="en-US" sz="4000" dirty="0" smtClean="0"/>
-              <a:t>Enhance a test suite</a:t>
+              <a:t>Enhancing </a:t>
+            </a:r>
+            <a:r>
+              <a:rPr lang="en-US" sz="4000" dirty="0" smtClean="0"/>
+              <a:t>a test suite</a:t>
             </a:r>
             <a:endParaRPr lang="en-US" sz="4000" dirty="0"/>
           </a:p>
@@ -3735,18 +3774,38 @@
           </a:bodyPr>
           <a:lstStyle/>
           <a:p>
+            <a:pPr marL="742950" indent="-742950">
+              <a:buFont typeface="+mj-lt"/>
+              <a:buAutoNum type="alphaUcPeriod"/>
+            </a:pPr>
             <a:r>
               <a:rPr lang="en-US" sz="4000" dirty="0" smtClean="0"/>
-              <a:t>Find a 2-day to 2-week project</a:t>
-            </a:r>
-          </a:p>
-          <a:p>
+              <a:t>Find a 2-day to </a:t>
+            </a:r>
+            <a:r>
+              <a:rPr lang="en-US" sz="4000" dirty="0" smtClean="0"/>
+              <a:t>1-week </a:t>
+            </a:r>
+            <a:r>
+              <a:rPr lang="en-US" sz="4000" dirty="0" smtClean="0"/>
+              <a:t>project</a:t>
+            </a:r>
+          </a:p>
+          <a:p>
+            <a:pPr marL="742950" indent="-742950">
+              <a:buFont typeface="+mj-lt"/>
+              <a:buAutoNum type="alphaUcPeriod"/>
+            </a:pPr>
             <a:r>
               <a:rPr lang="en-US" sz="4000" dirty="0" smtClean="0"/>
               <a:t>Round up the right developers</a:t>
             </a:r>
           </a:p>
           <a:p>
+            <a:pPr marL="742950" indent="-742950">
+              <a:buFont typeface="+mj-lt"/>
+              <a:buAutoNum type="alphaUcPeriod"/>
+            </a:pPr>
             <a:r>
               <a:rPr lang="en-US" sz="4000" dirty="0" smtClean="0"/>
               <a:t>Put other projects into maintenance mode</a:t>
@@ -3834,8 +3893,17 @@
             </a:pPr>
             <a:r>
               <a:rPr lang="en-US" dirty="0" smtClean="0"/>
-              <a:t>	Beef up your API</a:t>
-            </a:r>
+              <a:t>“Beef </a:t>
+            </a:r>
+            <a:r>
+              <a:rPr lang="en-US" dirty="0" smtClean="0"/>
+              <a:t>up </a:t>
+            </a:r>
+            <a:r>
+              <a:rPr lang="en-US" dirty="0" smtClean="0"/>
+              <a:t>our API”</a:t>
+            </a:r>
+            <a:endParaRPr lang="en-US" dirty="0" smtClean="0"/>
           </a:p>
           <a:p>
             <a:pPr algn="ctr">
@@ -3858,8 +3926,25 @@
             </a:pPr>
             <a:r>
               <a:rPr lang="en-US" dirty="0" smtClean="0"/>
-              <a:t>	Add features to your existing API</a:t>
-            </a:r>
+              <a:t>“Add </a:t>
+            </a:r>
+            <a:r>
+              <a:rPr lang="en-US" dirty="0" smtClean="0"/>
+              <a:t>features </a:t>
+            </a:r>
+            <a:r>
+              <a:rPr lang="en-US" dirty="0" smtClean="0"/>
+              <a:t>to our </a:t>
+            </a:r>
+            <a:r>
+              <a:rPr lang="en-US" dirty="0" smtClean="0"/>
+              <a:t>existing </a:t>
+            </a:r>
+            <a:r>
+              <a:rPr lang="en-US" dirty="0" smtClean="0"/>
+              <a:t>API”</a:t>
+            </a:r>
+            <a:endParaRPr lang="en-US" dirty="0" smtClean="0"/>
           </a:p>
           <a:p>
             <a:pPr algn="ctr">
@@ -3882,7 +3967,15 @@
             </a:pPr>
             <a:r>
               <a:rPr lang="en-US" dirty="0" smtClean="0"/>
-              <a:t>	Add a JSON option to your API endpoints</a:t>
+              <a:t>“Add </a:t>
+            </a:r>
+            <a:r>
+              <a:rPr lang="en-US" dirty="0" smtClean="0"/>
+              <a:t>a JSON option to </a:t>
+            </a:r>
+            <a:r>
+              <a:rPr lang="en-US" dirty="0" smtClean="0"/>
+              <a:t>API endpoints”</a:t>
             </a:r>
             <a:endParaRPr lang="en-US" dirty="0"/>
           </a:p>
@@ -4019,7 +4112,7 @@
           <a:p>
             <a:r>
               <a:rPr lang="en-US" dirty="0" smtClean="0"/>
-              <a:t>Preparation</a:t>
+              <a:t>Prepare</a:t>
             </a:r>
             <a:endParaRPr lang="en-US" dirty="0"/>
           </a:p>
@@ -4047,8 +4140,13 @@
           <a:p>
             <a:r>
               <a:rPr lang="en-US" dirty="0" smtClean="0"/>
-              <a:t>Workplace logistics (parking, security passes, network access)</a:t>
-            </a:r>
+              <a:t>Workplace </a:t>
+            </a:r>
+            <a:r>
+              <a:rPr lang="en-US" dirty="0" smtClean="0"/>
+              <a:t>logistics</a:t>
+            </a:r>
+            <a:endParaRPr lang="en-US" dirty="0" smtClean="0"/>
           </a:p>
           <a:p>
             <a:r>
@@ -4107,7 +4205,7 @@
           <a:p>
             <a:r>
               <a:rPr lang="en-US" dirty="0" smtClean="0"/>
-              <a:t>Making Improvements</a:t>
+              <a:t>How to Improve</a:t>
             </a:r>
             <a:endParaRPr lang="en-US" dirty="0"/>
           </a:p>
@@ -4137,25 +4235,31 @@
           <a:p>
             <a:r>
               <a:rPr lang="en-US" sz="3600" dirty="0" smtClean="0"/>
-              <a:t>One </a:t>
-            </a:r>
+              <a:t>No distractions </a:t>
+            </a:r>
+            <a:endParaRPr lang="en-US" sz="3600" dirty="0" smtClean="0"/>
+          </a:p>
+          <a:p>
             <a:r>
               <a:rPr lang="en-US" sz="3600" dirty="0" smtClean="0"/>
-              <a:t>simple goal — no distractions</a:t>
-            </a:r>
-          </a:p>
-          <a:p>
+              <a:t>One</a:t>
+            </a:r>
             <a:r>
               <a:rPr lang="en-US" sz="3600" dirty="0" smtClean="0"/>
-              <a:t>Short time frame</a:t>
-            </a:r>
+              <a:t> goal at a time</a:t>
+            </a:r>
+            <a:endParaRPr lang="en-US" sz="3600" dirty="0" smtClean="0"/>
           </a:p>
           <a:p>
             <a:r>
               <a:rPr lang="en-US" sz="3600" dirty="0" smtClean="0"/>
-              <a:t>Startup mentality</a:t>
-            </a:r>
-            <a:endParaRPr lang="en-US" sz="3600" dirty="0"/>
+              <a:t>Short </a:t>
+            </a:r>
+            <a:r>
+              <a:rPr lang="en-US" sz="3600" dirty="0" smtClean="0"/>
+              <a:t>timeframe</a:t>
+            </a:r>
+            <a:endParaRPr lang="en-US" sz="3600" dirty="0" smtClean="0"/>
           </a:p>
         </p:txBody>
       </p:sp>
@@ -4201,7 +4305,7 @@
           <a:p>
             <a:r>
               <a:rPr lang="en-US" dirty="0" smtClean="0"/>
-              <a:t>Reflect</a:t>
+              <a:t>Learn and Progress</a:t>
             </a:r>
             <a:endParaRPr lang="en-US" dirty="0"/>
           </a:p>
@@ -4283,7 +4387,11 @@
           <a:p>
             <a:r>
               <a:rPr lang="en-US" dirty="0" smtClean="0"/>
-              <a:t>Code Sprint, Defined</a:t>
+              <a:t>Code </a:t>
+            </a:r>
+            <a:r>
+              <a:rPr lang="en-US" dirty="0" smtClean="0"/>
+              <a:t>Sprint</a:t>
             </a:r>
             <a:endParaRPr lang="en-US" dirty="0"/>
           </a:p>
@@ -4494,7 +4602,12 @@
             <p:ph idx="1"/>
           </p:nvPr>
         </p:nvSpPr>
-        <p:spPr/>
+        <p:spPr>
+          <a:xfrm>
+            <a:off x="1066800" y="2133600"/>
+            <a:ext cx="7010400" cy="3124200"/>
+          </a:xfrm>
+        </p:spPr>
         <p:txBody>
           <a:bodyPr>
             <a:normAutofit/>
@@ -4503,15 +4616,15 @@
           <a:p>
             <a:r>
               <a:rPr lang="en-US" sz="4400" dirty="0" smtClean="0"/>
-              <a:t>Consolidation</a:t>
+              <a:t>Connectedness</a:t>
             </a:r>
           </a:p>
           <a:p>
             <a:r>
               <a:rPr lang="en-US" sz="4400" dirty="0" smtClean="0"/>
-              <a:t>Connectedness</a:t>
-            </a:r>
-            <a:endParaRPr lang="en-US" sz="4400" dirty="0"/>
+              <a:t>Consolidated services</a:t>
+            </a:r>
+            <a:endParaRPr lang="en-US" sz="4400" dirty="0" smtClean="0"/>
           </a:p>
         </p:txBody>
       </p:sp>
@@ -4651,7 +4764,7 @@
         </p:nvSpPr>
         <p:spPr>
           <a:xfrm>
-            <a:off x="457200" y="2057400"/>
+            <a:off x="457200" y="2743200"/>
             <a:ext cx="8229600" cy="3429000"/>
           </a:xfrm>
         </p:spPr>
@@ -4698,8 +4811,8 @@
         </p:nvSpPr>
         <p:spPr>
           <a:xfrm>
-            <a:off x="2950402" y="5786735"/>
-            <a:ext cx="3243196" cy="461665"/>
+            <a:off x="2445457" y="1371600"/>
+            <a:ext cx="4253087" cy="584775"/>
           </a:xfrm>
           <a:prstGeom prst="rect">
             <a:avLst/>
@@ -4712,7 +4825,7 @@
           <a:lstStyle/>
           <a:p>
             <a:r>
-              <a:rPr lang="en-US" sz="2400" dirty="0" smtClean="0">
+              <a:rPr lang="en-US" sz="3200" dirty="0" smtClean="0">
                 <a:solidFill>
                   <a:schemeClr val="accent6">
                     <a:lumMod val="40000"/>
@@ -4725,7 +4838,7 @@
               <a:t>github.com/</a:t>
             </a:r>
             <a:r>
-              <a:rPr lang="en-US" sz="2400" dirty="0" err="1" smtClean="0">
+              <a:rPr lang="en-US" sz="3200" dirty="0" err="1" smtClean="0">
                 <a:solidFill>
                   <a:schemeClr val="accent6">
                     <a:lumMod val="40000"/>
@@ -4738,7 +4851,7 @@
               <a:t>nys</a:t>
             </a:r>
             <a:r>
-              <a:rPr lang="en-US" sz="2400" dirty="0" smtClean="0">
+              <a:rPr lang="en-US" sz="3200" dirty="0" smtClean="0">
                 <a:solidFill>
                   <a:schemeClr val="accent6">
                     <a:lumMod val="40000"/>
@@ -4818,7 +4931,7 @@
         </p:nvSpPr>
         <p:spPr>
           <a:xfrm>
-            <a:off x="1257300" y="2369641"/>
+            <a:off x="723900" y="3124200"/>
             <a:ext cx="6629400" cy="3429000"/>
           </a:xfrm>
         </p:spPr>
@@ -4932,7 +5045,7 @@
         </p:nvSpPr>
         <p:spPr>
           <a:xfrm>
-            <a:off x="1354613" y="1524000"/>
+            <a:off x="685800" y="2278559"/>
             <a:ext cx="6434775" cy="769441"/>
           </a:xfrm>
           <a:prstGeom prst="rect">
@@ -4954,14 +5067,14 @@
       </p:sp>
       <p:sp>
         <p:nvSpPr>
-          <p:cNvPr id="5" name="Rectangle 4"/>
+          <p:cNvPr id="6" name="Rectangle 5"/>
           <p:cNvSpPr/>
           <p:nvPr/>
         </p:nvSpPr>
         <p:spPr>
           <a:xfrm>
-            <a:off x="2950402" y="5943600"/>
-            <a:ext cx="3243196" cy="461665"/>
+            <a:off x="2445457" y="1371600"/>
+            <a:ext cx="4253087" cy="584775"/>
           </a:xfrm>
           <a:prstGeom prst="rect">
             <a:avLst/>
@@ -4974,7 +5087,7 @@
           <a:lstStyle/>
           <a:p>
             <a:r>
-              <a:rPr lang="en-US" sz="2400" dirty="0" smtClean="0">
+              <a:rPr lang="en-US" sz="3200" dirty="0" smtClean="0">
                 <a:solidFill>
                   <a:schemeClr val="accent6">
                     <a:lumMod val="40000"/>
@@ -4987,7 +5100,7 @@
               <a:t>github.com/</a:t>
             </a:r>
             <a:r>
-              <a:rPr lang="en-US" sz="2400" dirty="0" err="1" smtClean="0">
+              <a:rPr lang="en-US" sz="3200" dirty="0" err="1" smtClean="0">
                 <a:solidFill>
                   <a:schemeClr val="accent6">
                     <a:lumMod val="40000"/>
@@ -5000,7 +5113,7 @@
               <a:t>nys</a:t>
             </a:r>
             <a:r>
-              <a:rPr lang="en-US" sz="2400" dirty="0" smtClean="0">
+              <a:rPr lang="en-US" sz="3200" dirty="0" smtClean="0">
                 <a:solidFill>
                   <a:schemeClr val="accent6">
                     <a:lumMod val="40000"/>
@@ -5012,16 +5125,6 @@
               </a:rPr>
               <a:t>-its</a:t>
             </a:r>
-            <a:endParaRPr lang="en-US" sz="2400" dirty="0">
-              <a:solidFill>
-                <a:schemeClr val="accent6">
-                  <a:lumMod val="40000"/>
-                  <a:lumOff val="60000"/>
-                </a:schemeClr>
-              </a:solidFill>
-              <a:latin typeface="Consolas" pitchFamily="49" charset="0"/>
-              <a:cs typeface="Consolas" pitchFamily="49" charset="0"/>
-            </a:endParaRPr>
           </a:p>
         </p:txBody>
       </p:sp>
@@ -5097,6 +5200,11 @@
             <a:avLst/>
           </a:prstGeom>
           <a:noFill/>
+          <a:ln>
+            <a:solidFill>
+              <a:schemeClr val="accent1"/>
+            </a:solidFill>
+          </a:ln>
         </p:spPr>
       </p:pic>
     </p:spTree>

--- a/code-sprint.pptx
+++ b/code-sprint.pptx
@@ -331,7 +331,7 @@
             <a:fld id="{2EEC5D93-E146-4F71-A5F5-60403B830366}" type="datetimeFigureOut">
               <a:rPr lang="en-US" smtClean="0"/>
               <a:pPr/>
-              <a:t>12/15/2013</a:t>
+              <a:t>12/16/2013</a:t>
             </a:fld>
             <a:endParaRPr lang="en-US"/>
           </a:p>
@@ -498,7 +498,7 @@
             <a:fld id="{2EEC5D93-E146-4F71-A5F5-60403B830366}" type="datetimeFigureOut">
               <a:rPr lang="en-US" smtClean="0"/>
               <a:pPr/>
-              <a:t>12/15/2013</a:t>
+              <a:t>12/16/2013</a:t>
             </a:fld>
             <a:endParaRPr lang="en-US"/>
           </a:p>
@@ -675,7 +675,7 @@
             <a:fld id="{2EEC5D93-E146-4F71-A5F5-60403B830366}" type="datetimeFigureOut">
               <a:rPr lang="en-US" smtClean="0"/>
               <a:pPr/>
-              <a:t>12/15/2013</a:t>
+              <a:t>12/16/2013</a:t>
             </a:fld>
             <a:endParaRPr lang="en-US"/>
           </a:p>
@@ -842,7 +842,7 @@
             <a:fld id="{2EEC5D93-E146-4F71-A5F5-60403B830366}" type="datetimeFigureOut">
               <a:rPr lang="en-US" smtClean="0"/>
               <a:pPr/>
-              <a:t>12/15/2013</a:t>
+              <a:t>12/16/2013</a:t>
             </a:fld>
             <a:endParaRPr lang="en-US"/>
           </a:p>
@@ -1085,7 +1085,7 @@
             <a:fld id="{2EEC5D93-E146-4F71-A5F5-60403B830366}" type="datetimeFigureOut">
               <a:rPr lang="en-US" smtClean="0"/>
               <a:pPr/>
-              <a:t>12/15/2013</a:t>
+              <a:t>12/16/2013</a:t>
             </a:fld>
             <a:endParaRPr lang="en-US"/>
           </a:p>
@@ -1370,7 +1370,7 @@
             <a:fld id="{2EEC5D93-E146-4F71-A5F5-60403B830366}" type="datetimeFigureOut">
               <a:rPr lang="en-US" smtClean="0"/>
               <a:pPr/>
-              <a:t>12/15/2013</a:t>
+              <a:t>12/16/2013</a:t>
             </a:fld>
             <a:endParaRPr lang="en-US"/>
           </a:p>
@@ -1789,7 +1789,7 @@
             <a:fld id="{2EEC5D93-E146-4F71-A5F5-60403B830366}" type="datetimeFigureOut">
               <a:rPr lang="en-US" smtClean="0"/>
               <a:pPr/>
-              <a:t>12/15/2013</a:t>
+              <a:t>12/16/2013</a:t>
             </a:fld>
             <a:endParaRPr lang="en-US"/>
           </a:p>
@@ -1904,7 +1904,7 @@
             <a:fld id="{2EEC5D93-E146-4F71-A5F5-60403B830366}" type="datetimeFigureOut">
               <a:rPr lang="en-US" smtClean="0"/>
               <a:pPr/>
-              <a:t>12/15/2013</a:t>
+              <a:t>12/16/2013</a:t>
             </a:fld>
             <a:endParaRPr lang="en-US"/>
           </a:p>
@@ -1996,7 +1996,7 @@
             <a:fld id="{2EEC5D93-E146-4F71-A5F5-60403B830366}" type="datetimeFigureOut">
               <a:rPr lang="en-US" smtClean="0"/>
               <a:pPr/>
-              <a:t>12/15/2013</a:t>
+              <a:t>12/16/2013</a:t>
             </a:fld>
             <a:endParaRPr lang="en-US"/>
           </a:p>
@@ -2270,7 +2270,7 @@
             <a:fld id="{2EEC5D93-E146-4F71-A5F5-60403B830366}" type="datetimeFigureOut">
               <a:rPr lang="en-US" smtClean="0"/>
               <a:pPr/>
-              <a:t>12/15/2013</a:t>
+              <a:t>12/16/2013</a:t>
             </a:fld>
             <a:endParaRPr lang="en-US"/>
           </a:p>
@@ -2520,7 +2520,7 @@
             <a:fld id="{2EEC5D93-E146-4F71-A5F5-60403B830366}" type="datetimeFigureOut">
               <a:rPr lang="en-US" smtClean="0"/>
               <a:pPr/>
-              <a:t>12/15/2013</a:t>
+              <a:t>12/16/2013</a:t>
             </a:fld>
             <a:endParaRPr lang="en-US"/>
           </a:p>
@@ -2735,7 +2735,7 @@
             <a:fld id="{2EEC5D93-E146-4F71-A5F5-60403B830366}" type="datetimeFigureOut">
               <a:rPr lang="en-US" smtClean="0"/>
               <a:pPr/>
-              <a:t>12/15/2013</a:t>
+              <a:t>12/16/2013</a:t>
             </a:fld>
             <a:endParaRPr lang="en-US"/>
           </a:p>
@@ -3146,23 +3146,25 @@
           </a:xfrm>
         </p:spPr>
         <p:txBody>
-          <a:bodyPr/>
-          <a:lstStyle/>
-          <a:p>
-            <a:r>
-              <a:rPr lang="en-US" dirty="0" smtClean="0"/>
+          <a:bodyPr>
+            <a:normAutofit/>
+          </a:bodyPr>
+          <a:lstStyle/>
+          <a:p>
+            <a:r>
+              <a:rPr lang="en-US" sz="3600" dirty="0" smtClean="0"/>
               <a:t>Distracted by multitasking</a:t>
             </a:r>
           </a:p>
           <a:p>
             <a:r>
-              <a:rPr lang="en-US" dirty="0" smtClean="0"/>
+              <a:rPr lang="en-US" sz="3600" dirty="0" smtClean="0"/>
               <a:t>Loose deadlines</a:t>
             </a:r>
           </a:p>
           <a:p>
             <a:r>
-              <a:rPr lang="en-US" dirty="0" smtClean="0"/>
+              <a:rPr lang="en-US" sz="3600" dirty="0" smtClean="0"/>
               <a:t>Focus is too broad</a:t>
             </a:r>
           </a:p>
@@ -3173,6 +3175,14 @@
   <p:clrMapOvr>
     <a:masterClrMapping/>
   </p:clrMapOvr>
+  <p:transition advTm="12000"/>
+  <p:timing>
+    <p:tnLst>
+      <p:par>
+        <p:cTn id="1" dur="indefinite" restart="never" nodeType="tmRoot"/>
+      </p:par>
+    </p:tnLst>
+  </p:timing>
 </p:sld>
 </file>
 
@@ -3252,6 +3262,14 @@
   <p:clrMapOvr>
     <a:masterClrMapping/>
   </p:clrMapOvr>
+  <p:transition advTm="12000"/>
+  <p:timing>
+    <p:tnLst>
+      <p:par>
+        <p:cTn id="1" dur="indefinite" restart="never" nodeType="tmRoot"/>
+      </p:par>
+    </p:tnLst>
+  </p:timing>
 </p:sld>
 </file>
 
@@ -3331,6 +3349,14 @@
   <p:clrMapOvr>
     <a:masterClrMapping/>
   </p:clrMapOvr>
+  <p:transition advTm="12000"/>
+  <p:timing>
+    <p:tnLst>
+      <p:par>
+        <p:cTn id="1" dur="indefinite" restart="never" nodeType="tmRoot"/>
+      </p:par>
+    </p:tnLst>
+  </p:timing>
 </p:sld>
 </file>
 
@@ -3421,6 +3447,14 @@
   <p:clrMapOvr>
     <a:masterClrMapping/>
   </p:clrMapOvr>
+  <p:transition advTm="12000"/>
+  <p:timing>
+    <p:tnLst>
+      <p:par>
+        <p:cTn id="1" dur="indefinite" restart="never" nodeType="tmRoot"/>
+      </p:par>
+    </p:tnLst>
+  </p:timing>
 </p:sld>
 </file>
 
@@ -3494,18 +3528,13 @@
           <a:p>
             <a:r>
               <a:rPr lang="en-US" sz="3600" dirty="0" smtClean="0"/>
-              <a:t>Uncertain </a:t>
+              <a:t>Uncertain development </a:t>
             </a:r>
             <a:r>
               <a:rPr lang="en-US" sz="3600" dirty="0" smtClean="0"/>
-              <a:t>development stack</a:t>
-            </a:r>
-          </a:p>
-          <a:p>
-            <a:r>
-              <a:rPr lang="en-US" sz="3600" dirty="0" smtClean="0"/>
-              <a:t>Clarifying the goal</a:t>
-            </a:r>
+              <a:t>stack</a:t>
+            </a:r>
+            <a:endParaRPr lang="en-US" sz="3600" dirty="0" smtClean="0"/>
           </a:p>
         </p:txBody>
       </p:sp>
@@ -3514,6 +3543,14 @@
   <p:clrMapOvr>
     <a:masterClrMapping/>
   </p:clrMapOvr>
+  <p:transition advTm="12000"/>
+  <p:timing>
+    <p:tnLst>
+      <p:par>
+        <p:cTn id="1" dur="indefinite" restart="never" nodeType="tmRoot"/>
+      </p:par>
+    </p:tnLst>
+  </p:timing>
 </p:sld>
 </file>
 
@@ -3587,17 +3624,11 @@
           <a:p>
             <a:r>
               <a:rPr lang="en-US" sz="4000" dirty="0" smtClean="0"/>
-              <a:t>Small pieces of </a:t>
+              <a:t>Small pieces of a larger </a:t>
             </a:r>
             <a:r>
               <a:rPr lang="en-US" sz="4000" dirty="0" smtClean="0"/>
-              <a:t>a larger project</a:t>
-            </a:r>
-          </a:p>
-          <a:p>
-            <a:r>
-              <a:rPr lang="en-US" sz="4000" dirty="0" smtClean="0"/>
-              <a:t>Exploration</a:t>
+              <a:t>project</a:t>
             </a:r>
             <a:endParaRPr lang="en-US" sz="4000" dirty="0" smtClean="0"/>
           </a:p>
@@ -3608,6 +3639,14 @@
   <p:clrMapOvr>
     <a:masterClrMapping/>
   </p:clrMapOvr>
+  <p:transition advTm="12000"/>
+  <p:timing>
+    <p:tnLst>
+      <p:par>
+        <p:cTn id="1" dur="indefinite" restart="never" nodeType="tmRoot"/>
+      </p:par>
+    </p:tnLst>
+  </p:timing>
 </p:sld>
 </file>
 
@@ -3677,14 +3716,17 @@
           <a:p>
             <a:r>
               <a:rPr lang="en-US" sz="4000" dirty="0" smtClean="0"/>
-              <a:t>Porting an application</a:t>
-            </a:r>
-            <a:endParaRPr lang="en-US" sz="4000" dirty="0" smtClean="0"/>
-          </a:p>
-          <a:p>
+              <a:t>Port </a:t>
+            </a:r>
             <a:r>
               <a:rPr lang="en-US" sz="4000" dirty="0" smtClean="0"/>
-              <a:t>Writing </a:t>
+              <a:t>an application</a:t>
+            </a:r>
+          </a:p>
+          <a:p>
+            <a:r>
+              <a:rPr lang="en-US" sz="4000" dirty="0" smtClean="0"/>
+              <a:t>Write </a:t>
             </a:r>
             <a:r>
               <a:rPr lang="en-US" sz="4000" dirty="0" smtClean="0"/>
@@ -3694,7 +3736,7 @@
           <a:p>
             <a:r>
               <a:rPr lang="en-US" sz="4000" dirty="0" smtClean="0"/>
-              <a:t>Enhancing </a:t>
+              <a:t>Enhance </a:t>
             </a:r>
             <a:r>
               <a:rPr lang="en-US" sz="4000" dirty="0" smtClean="0"/>
@@ -3709,6 +3751,14 @@
   <p:clrMapOvr>
     <a:masterClrMapping/>
   </p:clrMapOvr>
+  <p:transition advTm="12000"/>
+  <p:timing>
+    <p:tnLst>
+      <p:par>
+        <p:cTn id="1" dur="indefinite" restart="never" nodeType="tmRoot"/>
+      </p:par>
+    </p:tnLst>
+  </p:timing>
 </p:sld>
 </file>
 
@@ -3774,41 +3824,49 @@
           </a:bodyPr>
           <a:lstStyle/>
           <a:p>
-            <a:pPr marL="742950" indent="-742950">
-              <a:buFont typeface="+mj-lt"/>
-              <a:buAutoNum type="alphaUcPeriod"/>
-            </a:pPr>
+            <a:pPr marL="742950" indent="-742950"/>
             <a:r>
               <a:rPr lang="en-US" sz="4000" dirty="0" smtClean="0"/>
-              <a:t>Find a 2-day to </a:t>
+              <a:t>2-day </a:t>
             </a:r>
             <a:r>
               <a:rPr lang="en-US" sz="4000" dirty="0" smtClean="0"/>
-              <a:t>1-week </a:t>
-            </a:r>
+              <a:t>to 1-week project</a:t>
+            </a:r>
+          </a:p>
+          <a:p>
+            <a:pPr marL="742950" indent="-742950"/>
             <a:r>
               <a:rPr lang="en-US" sz="4000" dirty="0" smtClean="0"/>
-              <a:t>project</a:t>
-            </a:r>
-          </a:p>
-          <a:p>
-            <a:pPr marL="742950" indent="-742950">
-              <a:buFont typeface="+mj-lt"/>
-              <a:buAutoNum type="alphaUcPeriod"/>
-            </a:pPr>
+              <a:t>The </a:t>
+            </a:r>
             <a:r>
               <a:rPr lang="en-US" sz="4000" dirty="0" smtClean="0"/>
-              <a:t>Round up the right developers</a:t>
-            </a:r>
-          </a:p>
-          <a:p>
-            <a:pPr marL="742950" indent="-742950">
-              <a:buFont typeface="+mj-lt"/>
-              <a:buAutoNum type="alphaUcPeriod"/>
-            </a:pPr>
+              <a:t>right </a:t>
+            </a:r>
             <a:r>
               <a:rPr lang="en-US" sz="4000" dirty="0" smtClean="0"/>
-              <a:t>Put other projects into maintenance mode</a:t>
+              <a:t>people</a:t>
+            </a:r>
+            <a:endParaRPr lang="en-US" sz="4000" dirty="0" smtClean="0"/>
+          </a:p>
+          <a:p>
+            <a:pPr marL="742950" indent="-742950"/>
+            <a:r>
+              <a:rPr lang="en-US" sz="4000" dirty="0" smtClean="0"/>
+              <a:t>All </a:t>
+            </a:r>
+            <a:r>
+              <a:rPr lang="en-US" sz="4000" dirty="0" smtClean="0"/>
+              <a:t>other projects </a:t>
+            </a:r>
+            <a:r>
+              <a:rPr lang="en-US" sz="4000" dirty="0" smtClean="0"/>
+              <a:t>in </a:t>
+            </a:r>
+            <a:r>
+              <a:rPr lang="en-US" sz="4000" dirty="0" smtClean="0"/>
+              <a:t>maintenance mode</a:t>
             </a:r>
             <a:endParaRPr lang="en-US" sz="4000" dirty="0"/>
           </a:p>
@@ -3819,6 +3877,14 @@
   <p:clrMapOvr>
     <a:masterClrMapping/>
   </p:clrMapOvr>
+  <p:transition advTm="12000"/>
+  <p:timing>
+    <p:tnLst>
+      <p:par>
+        <p:cTn id="1" dur="indefinite" restart="never" nodeType="tmRoot"/>
+      </p:par>
+    </p:tnLst>
+  </p:timing>
 </p:sld>
 </file>
 
@@ -3893,17 +3959,8 @@
             </a:pPr>
             <a:r>
               <a:rPr lang="en-US" dirty="0" smtClean="0"/>
-              <a:t>“Beef </a:t>
-            </a:r>
-            <a:r>
-              <a:rPr lang="en-US" dirty="0" smtClean="0"/>
-              <a:t>up </a:t>
-            </a:r>
-            <a:r>
-              <a:rPr lang="en-US" dirty="0" smtClean="0"/>
-              <a:t>our API”</a:t>
-            </a:r>
-            <a:endParaRPr lang="en-US" dirty="0" smtClean="0"/>
+              <a:t>“Beef up our API”</a:t>
+            </a:r>
           </a:p>
           <a:p>
             <a:pPr algn="ctr">
@@ -3930,19 +3987,7 @@
             </a:r>
             <a:r>
               <a:rPr lang="en-US" dirty="0" smtClean="0"/>
-              <a:t>features </a:t>
-            </a:r>
-            <a:r>
-              <a:rPr lang="en-US" dirty="0" smtClean="0"/>
-              <a:t>to our </a:t>
-            </a:r>
-            <a:r>
-              <a:rPr lang="en-US" dirty="0" smtClean="0"/>
-              <a:t>existing </a:t>
-            </a:r>
-            <a:r>
-              <a:rPr lang="en-US" dirty="0" smtClean="0"/>
-              <a:t>API”</a:t>
+              <a:t>features to API”</a:t>
             </a:r>
             <a:endParaRPr lang="en-US" dirty="0" smtClean="0"/>
           </a:p>
@@ -3967,15 +4012,19 @@
             </a:pPr>
             <a:r>
               <a:rPr lang="en-US" dirty="0" smtClean="0"/>
-              <a:t>“Add </a:t>
+              <a:t>“</a:t>
             </a:r>
             <a:r>
               <a:rPr lang="en-US" dirty="0" smtClean="0"/>
-              <a:t>a JSON option to </a:t>
+              <a:t>Add </a:t>
             </a:r>
             <a:r>
               <a:rPr lang="en-US" dirty="0" smtClean="0"/>
-              <a:t>API endpoints”</a:t>
+              <a:t>JSON </a:t>
+            </a:r>
+            <a:r>
+              <a:rPr lang="en-US" dirty="0" smtClean="0"/>
+              <a:t>output”</a:t>
             </a:r>
             <a:endParaRPr lang="en-US" dirty="0"/>
           </a:p>
@@ -3986,6 +4035,14 @@
   <p:clrMapOvr>
     <a:masterClrMapping/>
   </p:clrMapOvr>
+  <p:transition advTm="12000"/>
+  <p:timing>
+    <p:tnLst>
+      <p:par>
+        <p:cTn id="1" dur="indefinite" restart="never" nodeType="tmRoot"/>
+      </p:par>
+    </p:tnLst>
+  </p:timing>
 </p:sld>
 </file>
 
@@ -4075,6 +4132,14 @@
   <p:clrMapOvr>
     <a:masterClrMapping/>
   </p:clrMapOvr>
+  <p:transition advTm="12000"/>
+  <p:timing>
+    <p:tnLst>
+      <p:par>
+        <p:cTn id="1" dur="indefinite" restart="never" nodeType="tmRoot"/>
+      </p:par>
+    </p:tnLst>
+  </p:timing>
 </p:sld>
 </file>
 
@@ -4140,13 +4205,8 @@
           <a:p>
             <a:r>
               <a:rPr lang="en-US" dirty="0" smtClean="0"/>
-              <a:t>Workplace </a:t>
-            </a:r>
-            <a:r>
-              <a:rPr lang="en-US" dirty="0" smtClean="0"/>
-              <a:t>logistics</a:t>
-            </a:r>
-            <a:endParaRPr lang="en-US" dirty="0" smtClean="0"/>
+              <a:t>Workplace logistics</a:t>
+            </a:r>
           </a:p>
           <a:p>
             <a:r>
@@ -4168,6 +4228,14 @@
   <p:clrMapOvr>
     <a:masterClrMapping/>
   </p:clrMapOvr>
+  <p:transition advTm="12000"/>
+  <p:timing>
+    <p:tnLst>
+      <p:par>
+        <p:cTn id="1" dur="indefinite" restart="never" nodeType="tmRoot"/>
+      </p:par>
+    </p:tnLst>
+  </p:timing>
 </p:sld>
 </file>
 
@@ -4205,7 +4273,7 @@
           <a:p>
             <a:r>
               <a:rPr lang="en-US" dirty="0" smtClean="0"/>
-              <a:t>How to Improve</a:t>
+              <a:t>A Better Way</a:t>
             </a:r>
             <a:endParaRPr lang="en-US" dirty="0"/>
           </a:p>
@@ -4223,8 +4291,8 @@
         </p:nvSpPr>
         <p:spPr>
           <a:xfrm>
-            <a:off x="533400" y="1951037"/>
-            <a:ext cx="7924800" cy="3154363"/>
+            <a:off x="838200" y="2133600"/>
+            <a:ext cx="6096000" cy="3154363"/>
           </a:xfrm>
         </p:spPr>
         <p:txBody>
@@ -4237,29 +4305,18 @@
               <a:rPr lang="en-US" sz="3600" dirty="0" smtClean="0"/>
               <a:t>No distractions </a:t>
             </a:r>
-            <a:endParaRPr lang="en-US" sz="3600" dirty="0" smtClean="0"/>
           </a:p>
           <a:p>
             <a:r>
               <a:rPr lang="en-US" sz="3600" dirty="0" smtClean="0"/>
-              <a:t>One</a:t>
-            </a:r>
+              <a:t>One goal at a time</a:t>
+            </a:r>
+          </a:p>
+          <a:p>
             <a:r>
               <a:rPr lang="en-US" sz="3600" dirty="0" smtClean="0"/>
-              <a:t> goal at a time</a:t>
-            </a:r>
-            <a:endParaRPr lang="en-US" sz="3600" dirty="0" smtClean="0"/>
-          </a:p>
-          <a:p>
-            <a:r>
-              <a:rPr lang="en-US" sz="3600" dirty="0" smtClean="0"/>
-              <a:t>Short </a:t>
-            </a:r>
-            <a:r>
-              <a:rPr lang="en-US" sz="3600" dirty="0" smtClean="0"/>
-              <a:t>timeframe</a:t>
-            </a:r>
-            <a:endParaRPr lang="en-US" sz="3600" dirty="0" smtClean="0"/>
+              <a:t>Short timeframe</a:t>
+            </a:r>
           </a:p>
         </p:txBody>
       </p:sp>
@@ -4268,6 +4325,14 @@
   <p:clrMapOvr>
     <a:masterClrMapping/>
   </p:clrMapOvr>
+  <p:transition advTm="12000"/>
+  <p:timing>
+    <p:tnLst>
+      <p:par>
+        <p:cTn id="1" dur="indefinite" restart="never" nodeType="tmRoot"/>
+      </p:par>
+    </p:tnLst>
+  </p:timing>
 </p:sld>
 </file>
 
@@ -4350,6 +4415,14 @@
   <p:clrMapOvr>
     <a:masterClrMapping/>
   </p:clrMapOvr>
+  <p:transition advTm="12000"/>
+  <p:timing>
+    <p:tnLst>
+      <p:par>
+        <p:cTn id="1" dur="indefinite" restart="never" nodeType="tmRoot"/>
+      </p:par>
+    </p:tnLst>
+  </p:timing>
 </p:sld>
 </file>
 
@@ -4387,11 +4460,7 @@
           <a:p>
             <a:r>
               <a:rPr lang="en-US" dirty="0" smtClean="0"/>
-              <a:t>Code </a:t>
-            </a:r>
-            <a:r>
-              <a:rPr lang="en-US" dirty="0" smtClean="0"/>
-              <a:t>Sprint</a:t>
+              <a:t>Code Sprint</a:t>
             </a:r>
             <a:endParaRPr lang="en-US" dirty="0"/>
           </a:p>
@@ -4409,12 +4478,12 @@
         </p:nvSpPr>
         <p:spPr>
           <a:xfrm>
-            <a:off x="457200" y="2438400"/>
-            <a:ext cx="8229600" cy="3429000"/>
+            <a:off x="381000" y="2590800"/>
+            <a:ext cx="8229600" cy="1752600"/>
           </a:xfrm>
         </p:spPr>
         <p:txBody>
-          <a:bodyPr>
+          <a:bodyPr anchor="ctr">
             <a:noAutofit/>
           </a:bodyPr>
           <a:lstStyle/>
@@ -4423,34 +4492,234 @@
               <a:buNone/>
             </a:pPr>
             <a:r>
-              <a:rPr lang="en-US" sz="4400" dirty="0" smtClean="0"/>
+              <a:rPr lang="en-US" sz="4400" b="1" dirty="0" smtClean="0"/>
+              <a:t>short </a:t>
+            </a:r>
+            <a:r>
+              <a:rPr lang="en-US" sz="4400" b="1" dirty="0" smtClean="0"/>
+              <a:t>period of </a:t>
+            </a:r>
+            <a:r>
+              <a:rPr lang="en-US" sz="4400" b="1" dirty="0" smtClean="0"/>
+              <a:t>time</a:t>
+            </a:r>
+            <a:endParaRPr lang="en-US" sz="4400" dirty="0"/>
+          </a:p>
+        </p:txBody>
+      </p:sp>
+      <p:sp>
+        <p:nvSpPr>
+          <p:cNvPr id="4" name="Content Placeholder 2"/>
+          <p:cNvSpPr txBox="1">
+            <a:spLocks/>
+          </p:cNvSpPr>
+          <p:nvPr/>
+        </p:nvSpPr>
+        <p:spPr>
+          <a:xfrm>
+            <a:off x="381000" y="1524000"/>
+            <a:ext cx="8229600" cy="2133600"/>
+          </a:xfrm>
+          <a:prstGeom prst="rect">
+            <a:avLst/>
+          </a:prstGeom>
+        </p:spPr>
+        <p:txBody>
+          <a:bodyPr vert="horz" lIns="91440" tIns="45720" rIns="91440" bIns="45720" rtlCol="0" anchor="ctr">
+            <a:noAutofit/>
+          </a:bodyPr>
+          <a:lstStyle/>
+          <a:p>
+            <a:pPr marL="342900" marR="0" lvl="0" indent="-342900" algn="ctr" defTabSz="914400" rtl="0" eaLnBrk="1" fontAlgn="auto" latinLnBrk="0" hangingPunct="1">
+              <a:lnSpc>
+                <a:spcPct val="100000"/>
+              </a:lnSpc>
+              <a:spcBef>
+                <a:spcPct val="20000"/>
+              </a:spcBef>
+              <a:spcAft>
+                <a:spcPts val="0"/>
+              </a:spcAft>
+              <a:buClrTx/>
+              <a:buSzTx/>
+              <a:buFont typeface="Arial" pitchFamily="34" charset="0"/>
+              <a:buNone/>
+              <a:tabLst/>
+              <a:defRPr/>
+            </a:pPr>
+            <a:r>
+              <a:rPr kumimoji="0" lang="en-US" sz="4400" b="0" i="0" u="none" strike="noStrike" kern="1200" cap="none" spc="0" normalizeH="0" baseline="0" noProof="0" dirty="0" smtClean="0">
+                <a:ln>
+                  <a:noFill/>
+                </a:ln>
+                <a:solidFill>
+                  <a:schemeClr val="tx1"/>
+                </a:solidFill>
+                <a:effectLst/>
+                <a:uLnTx/>
+                <a:uFillTx/>
+                <a:latin typeface="+mn-lt"/>
+                <a:ea typeface="+mn-ea"/>
+                <a:cs typeface="+mn-cs"/>
+              </a:rPr>
               <a:t>A </a:t>
             </a:r>
             <a:r>
-              <a:rPr lang="en-US" sz="4400" b="1" dirty="0" smtClean="0"/>
+              <a:rPr kumimoji="0" lang="en-US" sz="4400" b="1" i="0" u="none" strike="noStrike" kern="1200" cap="none" spc="0" normalizeH="0" baseline="0" noProof="0" dirty="0" smtClean="0">
+                <a:ln>
+                  <a:noFill/>
+                </a:ln>
+                <a:solidFill>
+                  <a:schemeClr val="tx1"/>
+                </a:solidFill>
+                <a:effectLst/>
+                <a:uLnTx/>
+                <a:uFillTx/>
+                <a:latin typeface="+mn-lt"/>
+                <a:ea typeface="+mn-ea"/>
+                <a:cs typeface="+mn-cs"/>
+              </a:rPr>
               <a:t>small team</a:t>
             </a:r>
             <a:r>
-              <a:rPr lang="en-US" sz="4400" dirty="0" smtClean="0"/>
-              <a:t> dedicates a </a:t>
-            </a:r>
-            <a:r>
-              <a:rPr lang="en-US" sz="4400" b="1" dirty="0" smtClean="0"/>
-              <a:t>short period of time</a:t>
-            </a:r>
-            <a:r>
-              <a:rPr lang="en-US" sz="4400" dirty="0" smtClean="0"/>
-              <a:t> entirely to </a:t>
-            </a:r>
-            <a:r>
-              <a:rPr lang="en-US" sz="4400" b="1" dirty="0" smtClean="0"/>
+              <a:rPr kumimoji="0" lang="en-US" sz="4400" b="0" i="0" u="none" strike="noStrike" kern="1200" cap="none" spc="0" normalizeH="0" baseline="0" noProof="0" dirty="0" smtClean="0">
+                <a:ln>
+                  <a:noFill/>
+                </a:ln>
+                <a:solidFill>
+                  <a:schemeClr val="tx1"/>
+                </a:solidFill>
+                <a:effectLst/>
+                <a:uLnTx/>
+                <a:uFillTx/>
+                <a:latin typeface="+mn-lt"/>
+                <a:ea typeface="+mn-ea"/>
+                <a:cs typeface="+mn-cs"/>
+              </a:rPr>
+              <a:t> dedicates a</a:t>
+            </a:r>
+            <a:endParaRPr kumimoji="0" lang="en-US" sz="4400" b="0" i="0" u="none" strike="noStrike" kern="1200" cap="none" spc="0" normalizeH="0" baseline="0" noProof="0" dirty="0">
+              <a:ln>
+                <a:noFill/>
+              </a:ln>
+              <a:solidFill>
+                <a:schemeClr val="tx1"/>
+              </a:solidFill>
+              <a:effectLst/>
+              <a:uLnTx/>
+              <a:uFillTx/>
+              <a:latin typeface="+mn-lt"/>
+              <a:ea typeface="+mn-ea"/>
+              <a:cs typeface="+mn-cs"/>
+            </a:endParaRPr>
+          </a:p>
+        </p:txBody>
+      </p:sp>
+      <p:sp>
+        <p:nvSpPr>
+          <p:cNvPr id="5" name="Content Placeholder 2"/>
+          <p:cNvSpPr txBox="1">
+            <a:spLocks/>
+          </p:cNvSpPr>
+          <p:nvPr/>
+        </p:nvSpPr>
+        <p:spPr>
+          <a:xfrm>
+            <a:off x="381000" y="3581400"/>
+            <a:ext cx="8229600" cy="1447800"/>
+          </a:xfrm>
+          <a:prstGeom prst="rect">
+            <a:avLst/>
+          </a:prstGeom>
+        </p:spPr>
+        <p:txBody>
+          <a:bodyPr vert="horz" lIns="91440" tIns="45720" rIns="91440" bIns="45720" rtlCol="0" anchor="ctr">
+            <a:noAutofit/>
+          </a:bodyPr>
+          <a:lstStyle/>
+          <a:p>
+            <a:pPr marL="342900" marR="0" lvl="0" indent="-342900" algn="ctr" defTabSz="914400" rtl="0" eaLnBrk="1" fontAlgn="auto" latinLnBrk="0" hangingPunct="1">
+              <a:lnSpc>
+                <a:spcPct val="100000"/>
+              </a:lnSpc>
+              <a:spcBef>
+                <a:spcPct val="20000"/>
+              </a:spcBef>
+              <a:spcAft>
+                <a:spcPts val="0"/>
+              </a:spcAft>
+              <a:buClrTx/>
+              <a:buSzTx/>
+              <a:buFont typeface="Arial" pitchFamily="34" charset="0"/>
+              <a:buNone/>
+              <a:tabLst/>
+              <a:defRPr/>
+            </a:pPr>
+            <a:r>
+              <a:rPr kumimoji="0" lang="en-US" sz="4400" b="0" i="0" u="none" strike="noStrike" kern="1200" cap="none" spc="0" normalizeH="0" baseline="0" noProof="0" dirty="0" smtClean="0">
+                <a:ln>
+                  <a:noFill/>
+                </a:ln>
+                <a:solidFill>
+                  <a:schemeClr val="tx1"/>
+                </a:solidFill>
+                <a:effectLst/>
+                <a:uLnTx/>
+                <a:uFillTx/>
+                <a:latin typeface="+mn-lt"/>
+                <a:ea typeface="+mn-ea"/>
+                <a:cs typeface="+mn-cs"/>
+              </a:rPr>
+              <a:t>entirely to </a:t>
+            </a:r>
+            <a:r>
+              <a:rPr kumimoji="0" lang="en-US" sz="4400" b="1" i="0" u="none" strike="noStrike" kern="1200" cap="none" spc="0" normalizeH="0" baseline="0" noProof="0" dirty="0" smtClean="0">
+                <a:ln>
+                  <a:noFill/>
+                </a:ln>
+                <a:solidFill>
+                  <a:schemeClr val="tx1"/>
+                </a:solidFill>
+                <a:effectLst/>
+                <a:uLnTx/>
+                <a:uFillTx/>
+                <a:latin typeface="+mn-lt"/>
+                <a:ea typeface="+mn-ea"/>
+                <a:cs typeface="+mn-cs"/>
+              </a:rPr>
               <a:t>one goal</a:t>
             </a:r>
             <a:r>
-              <a:rPr lang="en-US" sz="4400" dirty="0" smtClean="0"/>
+              <a:rPr kumimoji="0" lang="en-US" sz="4400" b="0" i="0" u="none" strike="noStrike" kern="1200" cap="none" spc="0" normalizeH="0" baseline="0" noProof="0" dirty="0" smtClean="0">
+                <a:ln>
+                  <a:noFill/>
+                </a:ln>
+                <a:solidFill>
+                  <a:schemeClr val="tx1"/>
+                </a:solidFill>
+                <a:effectLst/>
+                <a:uLnTx/>
+                <a:uFillTx/>
+                <a:latin typeface="+mn-lt"/>
+                <a:ea typeface="+mn-ea"/>
+                <a:cs typeface="+mn-cs"/>
+              </a:rPr>
               <a:t>.</a:t>
             </a:r>
-            <a:endParaRPr lang="en-US" sz="4400" dirty="0"/>
+            <a:endParaRPr kumimoji="0" lang="en-US" sz="4400" b="0" i="0" u="none" strike="noStrike" kern="1200" cap="none" spc="0" normalizeH="0" baseline="0" noProof="0" dirty="0">
+              <a:ln>
+                <a:noFill/>
+              </a:ln>
+              <a:solidFill>
+                <a:schemeClr val="tx1"/>
+              </a:solidFill>
+              <a:effectLst/>
+              <a:uLnTx/>
+              <a:uFillTx/>
+              <a:latin typeface="+mn-lt"/>
+              <a:ea typeface="+mn-ea"/>
+              <a:cs typeface="+mn-cs"/>
+            </a:endParaRPr>
           </a:p>
         </p:txBody>
       </p:sp>
@@ -4459,6 +4728,14 @@
   <p:clrMapOvr>
     <a:masterClrMapping/>
   </p:clrMapOvr>
+  <p:transition advTm="12000"/>
+  <p:timing>
+    <p:tnLst>
+      <p:par>
+        <p:cTn id="1" dur="indefinite" restart="never" nodeType="tmRoot"/>
+      </p:par>
+    </p:tnLst>
+  </p:timing>
 </p:sld>
 </file>
 
@@ -4549,6 +4826,14 @@
   <p:clrMapOvr>
     <a:masterClrMapping/>
   </p:clrMapOvr>
+  <p:transition advTm="12000"/>
+  <p:timing>
+    <p:tnLst>
+      <p:par>
+        <p:cTn id="1" dur="indefinite" restart="never" nodeType="tmRoot"/>
+      </p:par>
+    </p:tnLst>
+  </p:timing>
 </p:sld>
 </file>
 
@@ -4624,7 +4909,6 @@
               <a:rPr lang="en-US" sz="4400" dirty="0" smtClean="0"/>
               <a:t>Consolidated services</a:t>
             </a:r>
-            <a:endParaRPr lang="en-US" sz="4400" dirty="0" smtClean="0"/>
           </a:p>
         </p:txBody>
       </p:sp>
@@ -4633,6 +4917,14 @@
   <p:clrMapOvr>
     <a:masterClrMapping/>
   </p:clrMapOvr>
+  <p:transition advTm="12000"/>
+  <p:timing>
+    <p:tnLst>
+      <p:par>
+        <p:cTn id="1" dur="indefinite" restart="never" nodeType="tmRoot"/>
+      </p:par>
+    </p:tnLst>
+  </p:timing>
 </p:sld>
 </file>
 
@@ -4678,24 +4970,75 @@
       </p:sp>
       <p:sp>
         <p:nvSpPr>
-          <p:cNvPr id="3" name="Content Placeholder 2"/>
-          <p:cNvSpPr>
-            <a:spLocks noGrp="1"/>
-          </p:cNvSpPr>
-          <p:nvPr>
-            <p:ph idx="1"/>
-          </p:nvPr>
-        </p:nvSpPr>
-        <p:spPr/>
-        <p:txBody>
-          <a:bodyPr/>
-          <a:lstStyle/>
-          <a:p>
-            <a:r>
-              <a:rPr lang="en-US" sz="4400" dirty="0" err="1" smtClean="0"/>
+          <p:cNvPr id="4" name="Content Placeholder 2"/>
+          <p:cNvSpPr txBox="1">
+            <a:spLocks/>
+          </p:cNvSpPr>
+          <p:nvPr/>
+        </p:nvSpPr>
+        <p:spPr>
+          <a:xfrm>
+            <a:off x="1066800" y="2133600"/>
+            <a:ext cx="7010400" cy="3124200"/>
+          </a:xfrm>
+          <a:prstGeom prst="rect">
+            <a:avLst/>
+          </a:prstGeom>
+        </p:spPr>
+        <p:txBody>
+          <a:bodyPr vert="horz" lIns="91440" tIns="45720" rIns="91440" bIns="45720" rtlCol="0">
+            <a:normAutofit/>
+          </a:bodyPr>
+          <a:lstStyle/>
+          <a:p>
+            <a:pPr marL="342900" marR="0" lvl="0" indent="-342900" algn="l" defTabSz="914400" rtl="0" eaLnBrk="1" fontAlgn="auto" latinLnBrk="0" hangingPunct="1">
+              <a:lnSpc>
+                <a:spcPct val="100000"/>
+              </a:lnSpc>
+              <a:spcBef>
+                <a:spcPct val="20000"/>
+              </a:spcBef>
+              <a:spcAft>
+                <a:spcPts val="0"/>
+              </a:spcAft>
+              <a:buClrTx/>
+              <a:buSzTx/>
+              <a:buFont typeface="Arial" pitchFamily="34" charset="0"/>
+              <a:buChar char="•"/>
+              <a:tabLst/>
+              <a:defRPr/>
+            </a:pPr>
+            <a:r>
+              <a:rPr kumimoji="0" lang="en-US" sz="4400" b="0" i="0" u="none" strike="noStrike" kern="1200" cap="none" spc="0" normalizeH="0" baseline="0" noProof="0" dirty="0" err="1" smtClean="0">
+                <a:ln>
+                  <a:noFill/>
+                </a:ln>
+                <a:solidFill>
+                  <a:schemeClr val="tx1"/>
+                </a:solidFill>
+                <a:effectLst/>
+                <a:uLnTx/>
+                <a:uFillTx/>
+                <a:latin typeface="+mn-lt"/>
+                <a:ea typeface="+mn-ea"/>
+                <a:cs typeface="+mn-cs"/>
+              </a:rPr>
               <a:t>GitHub</a:t>
             </a:r>
-            <a:endParaRPr lang="en-US" dirty="0" smtClean="0"/>
+            <a:endParaRPr kumimoji="0" lang="en-US" sz="4400" b="0" i="0" u="none" strike="noStrike" kern="1200" cap="none" spc="0" normalizeH="0" baseline="0" noProof="0" dirty="0" smtClean="0">
+              <a:ln>
+                <a:noFill/>
+              </a:ln>
+              <a:solidFill>
+                <a:schemeClr val="tx1"/>
+              </a:solidFill>
+              <a:effectLst/>
+              <a:uLnTx/>
+              <a:uFillTx/>
+              <a:latin typeface="+mn-lt"/>
+              <a:ea typeface="+mn-ea"/>
+              <a:cs typeface="+mn-cs"/>
+            </a:endParaRPr>
           </a:p>
         </p:txBody>
       </p:sp>
@@ -4704,6 +5047,14 @@
   <p:clrMapOvr>
     <a:masterClrMapping/>
   </p:clrMapOvr>
+  <p:transition advTm="12000"/>
+  <p:timing>
+    <p:tnLst>
+      <p:par>
+        <p:cTn id="1" dur="indefinite" restart="never" nodeType="tmRoot"/>
+      </p:par>
+    </p:tnLst>
+  </p:timing>
 </p:sld>
 </file>
 
@@ -4871,6 +5222,14 @@
   <p:clrMapOvr>
     <a:masterClrMapping/>
   </p:clrMapOvr>
+  <p:transition advTm="12000"/>
+  <p:timing>
+    <p:tnLst>
+      <p:par>
+        <p:cTn id="1" dur="indefinite" restart="never" nodeType="tmRoot"/>
+      </p:par>
+    </p:tnLst>
+  </p:timing>
 </p:sld>
 </file>
 
@@ -5133,6 +5492,14 @@
   <p:clrMapOvr>
     <a:masterClrMapping/>
   </p:clrMapOvr>
+  <p:transition advTm="12000"/>
+  <p:timing>
+    <p:tnLst>
+      <p:par>
+        <p:cTn id="1" dur="indefinite" restart="never" nodeType="tmRoot"/>
+      </p:par>
+    </p:tnLst>
+  </p:timing>
 </p:sld>
 </file>
 
@@ -5212,6 +5579,14 @@
   <p:clrMapOvr>
     <a:masterClrMapping/>
   </p:clrMapOvr>
+  <p:transition advTm="12000"/>
+  <p:timing>
+    <p:tnLst>
+      <p:par>
+        <p:cTn id="1" dur="indefinite" restart="never" nodeType="tmRoot"/>
+      </p:par>
+    </p:tnLst>
+  </p:timing>
 </p:sld>
 </file>
 

--- a/code-sprint.pptx
+++ b/code-sprint.pptx
@@ -4901,8 +4901,9 @@
           <a:p>
             <a:r>
               <a:rPr lang="en-US" sz="4400" dirty="0" smtClean="0"/>
-              <a:t>Connectedness</a:t>
-            </a:r>
+              <a:t>Better access to tools</a:t>
+            </a:r>
+            <a:endParaRPr lang="en-US" sz="4400" dirty="0" smtClean="0"/>
           </a:p>
           <a:p>
             <a:r>

--- a/code-sprint.pptx
+++ b/code-sprint.pptx
@@ -3152,21 +3152,23 @@
           <a:lstStyle/>
           <a:p>
             <a:r>
-              <a:rPr lang="en-US" sz="3600" dirty="0" smtClean="0"/>
-              <a:t>Distracted by multitasking</a:t>
-            </a:r>
-          </a:p>
-          <a:p>
-            <a:r>
-              <a:rPr lang="en-US" sz="3600" dirty="0" smtClean="0"/>
+              <a:rPr lang="en-US" sz="4400" dirty="0" smtClean="0"/>
+              <a:t>Multitasking</a:t>
+            </a:r>
+            <a:endParaRPr lang="en-US" sz="4400" dirty="0" smtClean="0"/>
+          </a:p>
+          <a:p>
+            <a:r>
+              <a:rPr lang="en-US" sz="4400" dirty="0" smtClean="0"/>
               <a:t>Loose deadlines</a:t>
             </a:r>
           </a:p>
           <a:p>
             <a:r>
-              <a:rPr lang="en-US" sz="3600" dirty="0" smtClean="0"/>
-              <a:t>Focus is too broad</a:t>
-            </a:r>
+              <a:rPr lang="en-US" sz="4400" dirty="0" smtClean="0"/>
+              <a:t>Broad focus</a:t>
+            </a:r>
+            <a:endParaRPr lang="en-US" sz="4400" dirty="0" smtClean="0"/>
           </a:p>
         </p:txBody>
       </p:sp>
@@ -3430,8 +3432,13 @@
           <a:p>
             <a:r>
               <a:rPr lang="en-US" sz="4400" dirty="0" smtClean="0"/>
-              <a:t>Skilled team members</a:t>
-            </a:r>
+              <a:t>Skilled </a:t>
+            </a:r>
+            <a:r>
+              <a:rPr lang="en-US" sz="4400" dirty="0" smtClean="0"/>
+              <a:t>team</a:t>
+            </a:r>
+            <a:endParaRPr lang="en-US" sz="4400" dirty="0" smtClean="0"/>
           </a:p>
           <a:p>
             <a:r>
@@ -3510,8 +3517,8 @@
         </p:nvSpPr>
         <p:spPr>
           <a:xfrm>
-            <a:off x="457200" y="2438400"/>
-            <a:ext cx="8229600" cy="2438400"/>
+            <a:off x="838200" y="2362200"/>
+            <a:ext cx="7239000" cy="2438400"/>
           </a:xfrm>
         </p:spPr>
         <p:txBody>
@@ -3521,20 +3528,21 @@
           <a:lstStyle/>
           <a:p>
             <a:r>
-              <a:rPr lang="en-US" sz="3600" dirty="0" smtClean="0"/>
-              <a:t>Time wasted on workplace logistics</a:t>
-            </a:r>
-          </a:p>
-          <a:p>
-            <a:r>
-              <a:rPr lang="en-US" sz="3600" dirty="0" smtClean="0"/>
-              <a:t>Uncertain development </a:t>
-            </a:r>
-            <a:r>
-              <a:rPr lang="en-US" sz="3600" dirty="0" smtClean="0"/>
-              <a:t>stack</a:t>
-            </a:r>
-            <a:endParaRPr lang="en-US" sz="3600" dirty="0" smtClean="0"/>
+              <a:rPr lang="en-US" sz="4400" dirty="0" smtClean="0"/>
+              <a:t>Workplace </a:t>
+            </a:r>
+            <a:r>
+              <a:rPr lang="en-US" sz="4400" dirty="0" smtClean="0"/>
+              <a:t>logistics</a:t>
+            </a:r>
+            <a:endParaRPr lang="en-US" sz="4400" dirty="0" smtClean="0"/>
+          </a:p>
+          <a:p>
+            <a:r>
+              <a:rPr lang="en-US" sz="4400" dirty="0" smtClean="0"/>
+              <a:t>Software uncertainty</a:t>
+            </a:r>
+            <a:endParaRPr lang="en-US" sz="4400" dirty="0" smtClean="0"/>
           </a:p>
         </p:txBody>
       </p:sp>
@@ -3573,29 +3581,6 @@
       </p:grpSpPr>
       <p:sp>
         <p:nvSpPr>
-          <p:cNvPr id="2" name="Title 1"/>
-          <p:cNvSpPr>
-            <a:spLocks noGrp="1"/>
-          </p:cNvSpPr>
-          <p:nvPr>
-            <p:ph type="title"/>
-          </p:nvPr>
-        </p:nvSpPr>
-        <p:spPr/>
-        <p:txBody>
-          <a:bodyPr/>
-          <a:lstStyle/>
-          <a:p>
-            <a:r>
-              <a:rPr lang="en-US" dirty="0" smtClean="0"/>
-              <a:t>Where it Works Best</a:t>
-            </a:r>
-            <a:endParaRPr lang="en-US" dirty="0"/>
-          </a:p>
-        </p:txBody>
-      </p:sp>
-      <p:sp>
-        <p:nvSpPr>
           <p:cNvPr id="3" name="Content Placeholder 2"/>
           <p:cNvSpPr>
             <a:spLocks noGrp="1"/>
@@ -3606,7 +3591,7 @@
         </p:nvSpPr>
         <p:spPr>
           <a:xfrm>
-            <a:off x="609600" y="2133600"/>
+            <a:off x="838200" y="2362200"/>
             <a:ext cx="7924800" cy="3048000"/>
           </a:xfrm>
         </p:spPr>
@@ -3617,20 +3602,51 @@
           <a:lstStyle/>
           <a:p>
             <a:r>
-              <a:rPr lang="en-US" sz="4000" dirty="0" smtClean="0"/>
-              <a:t>Cross-agency initiatives</a:t>
-            </a:r>
-          </a:p>
-          <a:p>
-            <a:r>
-              <a:rPr lang="en-US" sz="4000" dirty="0" smtClean="0"/>
-              <a:t>Small pieces of a larger </a:t>
-            </a:r>
-            <a:r>
-              <a:rPr lang="en-US" sz="4000" dirty="0" smtClean="0"/>
-              <a:t>project</a:t>
-            </a:r>
-            <a:endParaRPr lang="en-US" sz="4000" dirty="0" smtClean="0"/>
+              <a:rPr lang="en-US" sz="4400" dirty="0" smtClean="0"/>
+              <a:t>Cross-agency</a:t>
+            </a:r>
+            <a:endParaRPr lang="en-US" sz="4400" dirty="0" smtClean="0"/>
+          </a:p>
+          <a:p>
+            <a:r>
+              <a:rPr lang="en-US" sz="4400" dirty="0" smtClean="0"/>
+              <a:t>Modernization</a:t>
+            </a:r>
+            <a:endParaRPr lang="en-US" sz="4400" dirty="0" smtClean="0"/>
+          </a:p>
+        </p:txBody>
+      </p:sp>
+      <p:sp>
+        <p:nvSpPr>
+          <p:cNvPr id="5" name="Title 1"/>
+          <p:cNvSpPr>
+            <a:spLocks noGrp="1"/>
+          </p:cNvSpPr>
+          <p:nvPr>
+            <p:ph type="title"/>
+          </p:nvPr>
+        </p:nvSpPr>
+        <p:spPr>
+          <a:xfrm>
+            <a:off x="457200" y="274638"/>
+            <a:ext cx="8229600" cy="1143000"/>
+          </a:xfrm>
+        </p:spPr>
+        <p:txBody>
+          <a:bodyPr>
+            <a:normAutofit/>
+          </a:bodyPr>
+          <a:lstStyle/>
+          <a:p>
+            <a:r>
+              <a:rPr lang="en-US" dirty="0" smtClean="0"/>
+              <a:t>Ideal </a:t>
+            </a:r>
+            <a:r>
+              <a:rPr lang="en-US" dirty="0" smtClean="0"/>
+              <a:t>Projects</a:t>
+            </a:r>
+            <a:endParaRPr lang="en-US" dirty="0"/>
           </a:p>
         </p:txBody>
       </p:sp>
@@ -3686,7 +3702,11 @@
           <a:p>
             <a:r>
               <a:rPr lang="en-US" dirty="0" smtClean="0"/>
-              <a:t>Ideal Code Sprint Projects</a:t>
+              <a:t>Ideal </a:t>
+            </a:r>
+            <a:r>
+              <a:rPr lang="en-US" dirty="0" smtClean="0"/>
+              <a:t>Projects</a:t>
             </a:r>
             <a:endParaRPr lang="en-US" dirty="0"/>
           </a:p>
@@ -3704,7 +3724,7 @@
         </p:nvSpPr>
         <p:spPr>
           <a:xfrm>
-            <a:off x="1028700" y="2057400"/>
+            <a:off x="838200" y="2362200"/>
             <a:ext cx="7086600" cy="2971800"/>
           </a:xfrm>
         </p:spPr>
@@ -3715,34 +3735,16 @@
           <a:lstStyle/>
           <a:p>
             <a:r>
-              <a:rPr lang="en-US" sz="4000" dirty="0" smtClean="0"/>
-              <a:t>Port </a:t>
-            </a:r>
-            <a:r>
-              <a:rPr lang="en-US" sz="4000" dirty="0" smtClean="0"/>
-              <a:t>an application</a:t>
-            </a:r>
-          </a:p>
-          <a:p>
-            <a:r>
-              <a:rPr lang="en-US" sz="4000" dirty="0" smtClean="0"/>
-              <a:t>Write </a:t>
-            </a:r>
-            <a:r>
-              <a:rPr lang="en-US" sz="4000" dirty="0" smtClean="0"/>
-              <a:t>documentation</a:t>
-            </a:r>
-          </a:p>
-          <a:p>
-            <a:r>
-              <a:rPr lang="en-US" sz="4000" dirty="0" smtClean="0"/>
-              <a:t>Enhance </a:t>
-            </a:r>
-            <a:r>
-              <a:rPr lang="en-US" sz="4000" dirty="0" smtClean="0"/>
-              <a:t>a test suite</a:t>
-            </a:r>
-            <a:endParaRPr lang="en-US" sz="4000" dirty="0"/>
+              <a:rPr lang="en-US" sz="4400" dirty="0" smtClean="0"/>
+              <a:t>Create</a:t>
+            </a:r>
+          </a:p>
+          <a:p>
+            <a:r>
+              <a:rPr lang="en-US" sz="4400" dirty="0" smtClean="0"/>
+              <a:t>Explore</a:t>
+            </a:r>
+            <a:endParaRPr lang="en-US" sz="4400" dirty="0" smtClean="0"/>
           </a:p>
         </p:txBody>
       </p:sp>
@@ -3804,71 +3806,74 @@
       </p:sp>
       <p:sp>
         <p:nvSpPr>
-          <p:cNvPr id="3" name="Content Placeholder 2"/>
-          <p:cNvSpPr>
-            <a:spLocks noGrp="1"/>
-          </p:cNvSpPr>
-          <p:nvPr>
-            <p:ph idx="1"/>
-          </p:nvPr>
+          <p:cNvPr id="4" name="Content Placeholder 2"/>
+          <p:cNvSpPr txBox="1">
+            <a:spLocks/>
+          </p:cNvSpPr>
+          <p:nvPr/>
         </p:nvSpPr>
         <p:spPr>
           <a:xfrm>
-            <a:off x="457200" y="2133601"/>
-            <a:ext cx="8229600" cy="3200399"/>
+            <a:off x="838200" y="2362200"/>
+            <a:ext cx="7086600" cy="3352800"/>
           </a:xfrm>
+          <a:prstGeom prst="rect">
+            <a:avLst/>
+          </a:prstGeom>
         </p:spPr>
         <p:txBody>
-          <a:bodyPr>
-            <a:noAutofit/>
+          <a:bodyPr vert="horz" lIns="91440" tIns="45720" rIns="91440" bIns="45720" rtlCol="0">
+            <a:normAutofit/>
           </a:bodyPr>
           <a:lstStyle/>
           <a:p>
-            <a:pPr marL="742950" indent="-742950"/>
-            <a:r>
-              <a:rPr lang="en-US" sz="4000" dirty="0" smtClean="0"/>
-              <a:t>2-day </a:t>
-            </a:r>
-            <a:r>
-              <a:rPr lang="en-US" sz="4000" dirty="0" smtClean="0"/>
-              <a:t>to 1-week project</a:t>
-            </a:r>
-          </a:p>
-          <a:p>
-            <a:pPr marL="742950" indent="-742950"/>
-            <a:r>
-              <a:rPr lang="en-US" sz="4000" dirty="0" smtClean="0"/>
-              <a:t>The </a:t>
-            </a:r>
-            <a:r>
-              <a:rPr lang="en-US" sz="4000" dirty="0" smtClean="0"/>
-              <a:t>right </a:t>
-            </a:r>
-            <a:r>
-              <a:rPr lang="en-US" sz="4000" dirty="0" smtClean="0"/>
+            <a:pPr marL="342900" indent="-342900">
+              <a:spcBef>
+                <a:spcPct val="20000"/>
+              </a:spcBef>
+              <a:buFont typeface="Arial" pitchFamily="34" charset="0"/>
+              <a:buChar char="•"/>
+            </a:pPr>
+            <a:r>
+              <a:rPr lang="en-US" sz="4400" dirty="0" smtClean="0"/>
+              <a:t>2-day to 1-week project</a:t>
+            </a:r>
+          </a:p>
+          <a:p>
+            <a:pPr marL="342900" indent="-342900">
+              <a:spcBef>
+                <a:spcPct val="20000"/>
+              </a:spcBef>
+              <a:buFont typeface="Arial" pitchFamily="34" charset="0"/>
+              <a:buChar char="•"/>
+            </a:pPr>
+            <a:r>
+              <a:rPr lang="en-US" sz="4400" dirty="0" smtClean="0"/>
+              <a:t>The right </a:t>
+            </a:r>
+            <a:r>
+              <a:rPr lang="en-US" sz="4400" dirty="0" smtClean="0"/>
               <a:t>people</a:t>
             </a:r>
-            <a:endParaRPr lang="en-US" sz="4000" dirty="0" smtClean="0"/>
-          </a:p>
-          <a:p>
-            <a:pPr marL="742950" indent="-742950"/>
-            <a:r>
-              <a:rPr lang="en-US" sz="4000" dirty="0" smtClean="0"/>
-              <a:t>All </a:t>
-            </a:r>
-            <a:r>
-              <a:rPr lang="en-US" sz="4000" dirty="0" smtClean="0"/>
-              <a:t>other projects </a:t>
-            </a:r>
-            <a:r>
-              <a:rPr lang="en-US" sz="4000" dirty="0" smtClean="0"/>
-              <a:t>in </a:t>
-            </a:r>
-            <a:r>
-              <a:rPr lang="en-US" sz="4000" dirty="0" smtClean="0"/>
-              <a:t>maintenance mode</a:t>
-            </a:r>
-            <a:endParaRPr lang="en-US" sz="4000" dirty="0"/>
+            <a:endParaRPr lang="en-US" sz="4400" dirty="0" smtClean="0"/>
+          </a:p>
+          <a:p>
+            <a:pPr marL="342900" indent="-342900">
+              <a:spcBef>
+                <a:spcPct val="20000"/>
+              </a:spcBef>
+              <a:buFont typeface="Arial" pitchFamily="34" charset="0"/>
+              <a:buChar char="•"/>
+            </a:pPr>
+            <a:r>
+              <a:rPr lang="en-US" sz="4400" dirty="0" smtClean="0"/>
+              <a:t>All other projects in maintenance </a:t>
+            </a:r>
+            <a:r>
+              <a:rPr lang="en-US" sz="4400" dirty="0" smtClean="0"/>
+              <a:t>mode</a:t>
+            </a:r>
+            <a:endParaRPr lang="en-US" sz="4400" dirty="0" smtClean="0"/>
           </a:p>
         </p:txBody>
       </p:sp>
@@ -3928,108 +3933,380 @@
           </a:p>
         </p:txBody>
       </p:sp>
-      <p:sp>
-        <p:nvSpPr>
-          <p:cNvPr id="3" name="Content Placeholder 2"/>
-          <p:cNvSpPr>
-            <a:spLocks noGrp="1"/>
-          </p:cNvSpPr>
-          <p:nvPr>
-            <p:ph idx="1"/>
-          </p:nvPr>
-        </p:nvSpPr>
-        <p:spPr/>
-        <p:txBody>
-          <a:bodyPr anchor="ctr">
-            <a:normAutofit lnSpcReduction="10000"/>
-          </a:bodyPr>
-          <a:lstStyle/>
-          <a:p>
-            <a:pPr algn="ctr">
-              <a:buNone/>
-            </a:pPr>
-            <a:r>
-              <a:rPr lang="en-US" b="1" dirty="0" smtClean="0"/>
-              <a:t>Good</a:t>
-            </a:r>
-          </a:p>
-          <a:p>
-            <a:pPr algn="ctr">
-              <a:buNone/>
-            </a:pPr>
-            <a:r>
-              <a:rPr lang="en-US" dirty="0" smtClean="0"/>
-              <a:t>“Beef up our API”</a:t>
-            </a:r>
-          </a:p>
-          <a:p>
-            <a:pPr algn="ctr">
-              <a:buNone/>
-            </a:pPr>
-            <a:endParaRPr lang="en-US" dirty="0" smtClean="0"/>
-          </a:p>
-          <a:p>
-            <a:pPr algn="ctr">
-              <a:buNone/>
-            </a:pPr>
-            <a:r>
-              <a:rPr lang="en-US" b="1" dirty="0" smtClean="0"/>
-              <a:t>Better</a:t>
-            </a:r>
-          </a:p>
-          <a:p>
-            <a:pPr algn="ctr">
-              <a:buNone/>
-            </a:pPr>
-            <a:r>
-              <a:rPr lang="en-US" dirty="0" smtClean="0"/>
-              <a:t>“Add </a:t>
-            </a:r>
-            <a:r>
-              <a:rPr lang="en-US" dirty="0" smtClean="0"/>
-              <a:t>features to API”</a:t>
-            </a:r>
-            <a:endParaRPr lang="en-US" dirty="0" smtClean="0"/>
-          </a:p>
-          <a:p>
-            <a:pPr algn="ctr">
-              <a:buNone/>
-            </a:pPr>
-            <a:endParaRPr lang="en-US" dirty="0" smtClean="0"/>
-          </a:p>
-          <a:p>
-            <a:pPr algn="ctr">
-              <a:buNone/>
-            </a:pPr>
-            <a:r>
-              <a:rPr lang="en-US" b="1" dirty="0" smtClean="0"/>
-              <a:t>Best</a:t>
-            </a:r>
-          </a:p>
-          <a:p>
-            <a:pPr algn="ctr">
-              <a:buNone/>
-            </a:pPr>
-            <a:r>
-              <a:rPr lang="en-US" dirty="0" smtClean="0"/>
-              <a:t>“</a:t>
-            </a:r>
-            <a:r>
-              <a:rPr lang="en-US" dirty="0" smtClean="0"/>
-              <a:t>Add </a:t>
-            </a:r>
-            <a:r>
-              <a:rPr lang="en-US" dirty="0" smtClean="0"/>
-              <a:t>JSON </a:t>
-            </a:r>
-            <a:r>
-              <a:rPr lang="en-US" dirty="0" smtClean="0"/>
-              <a:t>output”</a:t>
-            </a:r>
-            <a:endParaRPr lang="en-US" dirty="0"/>
-          </a:p>
-        </p:txBody>
-      </p:sp>
+      <p:graphicFrame>
+        <p:nvGraphicFramePr>
+          <p:cNvPr id="4" name="Table 3"/>
+          <p:cNvGraphicFramePr>
+            <a:graphicFrameLocks noGrp="1"/>
+          </p:cNvGraphicFramePr>
+          <p:nvPr/>
+        </p:nvGraphicFramePr>
+        <p:xfrm>
+          <a:off x="990600" y="2133600"/>
+          <a:ext cx="7086600" cy="3733800"/>
+        </p:xfrm>
+        <a:graphic>
+          <a:graphicData uri="http://schemas.openxmlformats.org/drawingml/2006/table">
+            <a:tbl>
+              <a:tblPr bandRow="1">
+                <a:tableStyleId>{5C22544A-7EE6-4342-B048-85BDC9FD1C3A}</a:tableStyleId>
+              </a:tblPr>
+              <a:tblGrid>
+                <a:gridCol w="1986897"/>
+                <a:gridCol w="5099703"/>
+              </a:tblGrid>
+              <a:tr h="1244600">
+                <a:tc>
+                  <a:txBody>
+                    <a:bodyPr/>
+                    <a:lstStyle/>
+                    <a:p>
+                      <a:pPr algn="ctr"/>
+                      <a:r>
+                        <a:rPr lang="en-US" sz="3600" b="0" dirty="0" smtClean="0">
+                          <a:solidFill>
+                            <a:schemeClr val="bg1">
+                              <a:lumMod val="65000"/>
+                            </a:schemeClr>
+                          </a:solidFill>
+                        </a:rPr>
+                        <a:t>Good</a:t>
+                      </a:r>
+                      <a:endParaRPr lang="en-US" sz="3600" b="0" dirty="0">
+                        <a:solidFill>
+                          <a:schemeClr val="bg1">
+                            <a:lumMod val="65000"/>
+                          </a:schemeClr>
+                        </a:solidFill>
+                      </a:endParaRPr>
+                    </a:p>
+                  </a:txBody>
+                  <a:tcPr anchor="ctr">
+                    <a:lnL w="12700" cap="flat" cmpd="sng" algn="ctr">
+                      <a:solidFill>
+                        <a:schemeClr val="accent4"/>
+                      </a:solidFill>
+                      <a:prstDash val="solid"/>
+                      <a:round/>
+                      <a:headEnd type="none" w="med" len="med"/>
+                      <a:tailEnd type="none" w="med" len="med"/>
+                    </a:lnL>
+                    <a:lnR w="12700" cap="flat" cmpd="sng" algn="ctr">
+                      <a:solidFill>
+                        <a:schemeClr val="accent4"/>
+                      </a:solidFill>
+                      <a:prstDash val="solid"/>
+                      <a:round/>
+                      <a:headEnd type="none" w="med" len="med"/>
+                      <a:tailEnd type="none" w="med" len="med"/>
+                    </a:lnR>
+                    <a:lnT w="12700" cap="flat" cmpd="sng" algn="ctr">
+                      <a:solidFill>
+                        <a:schemeClr val="accent4"/>
+                      </a:solidFill>
+                      <a:prstDash val="solid"/>
+                      <a:round/>
+                      <a:headEnd type="none" w="med" len="med"/>
+                      <a:tailEnd type="none" w="med" len="med"/>
+                    </a:lnT>
+                    <a:lnB w="12700" cap="flat" cmpd="sng" algn="ctr">
+                      <a:solidFill>
+                        <a:schemeClr val="accent4"/>
+                      </a:solidFill>
+                      <a:prstDash val="solid"/>
+                      <a:round/>
+                      <a:headEnd type="none" w="med" len="med"/>
+                      <a:tailEnd type="none" w="med" len="med"/>
+                    </a:lnB>
+                    <a:noFill/>
+                  </a:tcPr>
+                </a:tc>
+                <a:tc>
+                  <a:txBody>
+                    <a:bodyPr/>
+                    <a:lstStyle/>
+                    <a:p>
+                      <a:pPr algn="l"/>
+                      <a:r>
+                        <a:rPr lang="en-US" sz="3600" b="0" dirty="0" smtClean="0">
+                          <a:solidFill>
+                            <a:schemeClr val="bg1">
+                              <a:lumMod val="65000"/>
+                            </a:schemeClr>
+                          </a:solidFill>
+                        </a:rPr>
+                        <a:t>Enhance an API</a:t>
+                      </a:r>
+                      <a:endParaRPr lang="en-US" sz="3600" b="0" dirty="0">
+                        <a:solidFill>
+                          <a:schemeClr val="bg1">
+                            <a:lumMod val="65000"/>
+                          </a:schemeClr>
+                        </a:solidFill>
+                      </a:endParaRPr>
+                    </a:p>
+                  </a:txBody>
+                  <a:tcPr anchor="ctr">
+                    <a:lnL w="12700" cap="flat" cmpd="sng" algn="ctr">
+                      <a:solidFill>
+                        <a:schemeClr val="accent4"/>
+                      </a:solidFill>
+                      <a:prstDash val="solid"/>
+                      <a:round/>
+                      <a:headEnd type="none" w="med" len="med"/>
+                      <a:tailEnd type="none" w="med" len="med"/>
+                    </a:lnL>
+                    <a:lnR w="12700" cap="flat" cmpd="sng" algn="ctr">
+                      <a:solidFill>
+                        <a:schemeClr val="accent4"/>
+                      </a:solidFill>
+                      <a:prstDash val="solid"/>
+                      <a:round/>
+                      <a:headEnd type="none" w="med" len="med"/>
+                      <a:tailEnd type="none" w="med" len="med"/>
+                    </a:lnR>
+                    <a:lnT w="12700" cap="flat" cmpd="sng" algn="ctr">
+                      <a:solidFill>
+                        <a:schemeClr val="accent4"/>
+                      </a:solidFill>
+                      <a:prstDash val="solid"/>
+                      <a:round/>
+                      <a:headEnd type="none" w="med" len="med"/>
+                      <a:tailEnd type="none" w="med" len="med"/>
+                    </a:lnT>
+                    <a:lnB w="12700" cap="flat" cmpd="sng" algn="ctr">
+                      <a:solidFill>
+                        <a:schemeClr val="accent4"/>
+                      </a:solidFill>
+                      <a:prstDash val="solid"/>
+                      <a:round/>
+                      <a:headEnd type="none" w="med" len="med"/>
+                      <a:tailEnd type="none" w="med" len="med"/>
+                    </a:lnB>
+                    <a:noFill/>
+                  </a:tcPr>
+                </a:tc>
+              </a:tr>
+              <a:tr h="1244600">
+                <a:tc>
+                  <a:txBody>
+                    <a:bodyPr/>
+                    <a:lstStyle/>
+                    <a:p>
+                      <a:pPr algn="ctr"/>
+                      <a:r>
+                        <a:rPr lang="en-US" sz="3600" b="0" dirty="0" smtClean="0"/>
+                        <a:t>Better</a:t>
+                      </a:r>
+                      <a:endParaRPr lang="en-US" sz="3600" b="0" dirty="0"/>
+                    </a:p>
+                  </a:txBody>
+                  <a:tcPr anchor="ctr">
+                    <a:lnL w="12700" cap="flat" cmpd="sng" algn="ctr">
+                      <a:solidFill>
+                        <a:schemeClr val="accent4"/>
+                      </a:solidFill>
+                      <a:prstDash val="solid"/>
+                      <a:round/>
+                      <a:headEnd type="none" w="med" len="med"/>
+                      <a:tailEnd type="none" w="med" len="med"/>
+                    </a:lnL>
+                    <a:lnR w="12700" cap="flat" cmpd="sng" algn="ctr">
+                      <a:solidFill>
+                        <a:schemeClr val="accent4"/>
+                      </a:solidFill>
+                      <a:prstDash val="solid"/>
+                      <a:round/>
+                      <a:headEnd type="none" w="med" len="med"/>
+                      <a:tailEnd type="none" w="med" len="med"/>
+                    </a:lnR>
+                    <a:lnT w="12700" cap="flat" cmpd="sng" algn="ctr">
+                      <a:solidFill>
+                        <a:schemeClr val="accent4"/>
+                      </a:solidFill>
+                      <a:prstDash val="solid"/>
+                      <a:round/>
+                      <a:headEnd type="none" w="med" len="med"/>
+                      <a:tailEnd type="none" w="med" len="med"/>
+                    </a:lnT>
+                    <a:lnB w="12700" cap="flat" cmpd="sng" algn="ctr">
+                      <a:solidFill>
+                        <a:schemeClr val="accent4"/>
+                      </a:solidFill>
+                      <a:prstDash val="solid"/>
+                      <a:round/>
+                      <a:headEnd type="none" w="med" len="med"/>
+                      <a:tailEnd type="none" w="med" len="med"/>
+                    </a:lnB>
+                    <a:noFill/>
+                  </a:tcPr>
+                </a:tc>
+                <a:tc>
+                  <a:txBody>
+                    <a:bodyPr/>
+                    <a:lstStyle/>
+                    <a:p>
+                      <a:pPr algn="l"/>
+                      <a:r>
+                        <a:rPr lang="en-US" sz="3600" dirty="0" smtClean="0"/>
+                        <a:t>Add features</a:t>
+                      </a:r>
+                      <a:endParaRPr lang="en-US" sz="3600" dirty="0"/>
+                    </a:p>
+                  </a:txBody>
+                  <a:tcPr anchor="ctr">
+                    <a:lnL w="12700" cap="flat" cmpd="sng" algn="ctr">
+                      <a:solidFill>
+                        <a:schemeClr val="accent4"/>
+                      </a:solidFill>
+                      <a:prstDash val="solid"/>
+                      <a:round/>
+                      <a:headEnd type="none" w="med" len="med"/>
+                      <a:tailEnd type="none" w="med" len="med"/>
+                    </a:lnL>
+                    <a:lnR w="12700" cap="flat" cmpd="sng" algn="ctr">
+                      <a:solidFill>
+                        <a:schemeClr val="accent4"/>
+                      </a:solidFill>
+                      <a:prstDash val="solid"/>
+                      <a:round/>
+                      <a:headEnd type="none" w="med" len="med"/>
+                      <a:tailEnd type="none" w="med" len="med"/>
+                    </a:lnR>
+                    <a:lnT w="12700" cap="flat" cmpd="sng" algn="ctr">
+                      <a:solidFill>
+                        <a:schemeClr val="accent4"/>
+                      </a:solidFill>
+                      <a:prstDash val="solid"/>
+                      <a:round/>
+                      <a:headEnd type="none" w="med" len="med"/>
+                      <a:tailEnd type="none" w="med" len="med"/>
+                    </a:lnT>
+                    <a:lnB w="12700" cap="flat" cmpd="sng" algn="ctr">
+                      <a:solidFill>
+                        <a:schemeClr val="accent4"/>
+                      </a:solidFill>
+                      <a:prstDash val="solid"/>
+                      <a:round/>
+                      <a:headEnd type="none" w="med" len="med"/>
+                      <a:tailEnd type="none" w="med" len="med"/>
+                    </a:lnB>
+                    <a:noFill/>
+                  </a:tcPr>
+                </a:tc>
+              </a:tr>
+              <a:tr h="1244600">
+                <a:tc>
+                  <a:txBody>
+                    <a:bodyPr/>
+                    <a:lstStyle/>
+                    <a:p>
+                      <a:pPr algn="ctr"/>
+                      <a:r>
+                        <a:rPr lang="en-US" sz="3600" b="1" dirty="0" smtClean="0"/>
+                        <a:t>Best</a:t>
+                      </a:r>
+                      <a:endParaRPr lang="en-US" sz="3600" b="1" dirty="0"/>
+                    </a:p>
+                  </a:txBody>
+                  <a:tcPr anchor="ctr">
+                    <a:lnL w="12700" cap="flat" cmpd="sng" algn="ctr">
+                      <a:solidFill>
+                        <a:schemeClr val="accent4"/>
+                      </a:solidFill>
+                      <a:prstDash val="solid"/>
+                      <a:round/>
+                      <a:headEnd type="none" w="med" len="med"/>
+                      <a:tailEnd type="none" w="med" len="med"/>
+                    </a:lnL>
+                    <a:lnR w="12700" cap="flat" cmpd="sng" algn="ctr">
+                      <a:solidFill>
+                        <a:schemeClr val="accent4"/>
+                      </a:solidFill>
+                      <a:prstDash val="solid"/>
+                      <a:round/>
+                      <a:headEnd type="none" w="med" len="med"/>
+                      <a:tailEnd type="none" w="med" len="med"/>
+                    </a:lnR>
+                    <a:lnT w="12700" cap="flat" cmpd="sng" algn="ctr">
+                      <a:solidFill>
+                        <a:schemeClr val="accent4"/>
+                      </a:solidFill>
+                      <a:prstDash val="solid"/>
+                      <a:round/>
+                      <a:headEnd type="none" w="med" len="med"/>
+                      <a:tailEnd type="none" w="med" len="med"/>
+                    </a:lnT>
+                    <a:lnB w="12700" cap="flat" cmpd="sng" algn="ctr">
+                      <a:solidFill>
+                        <a:schemeClr val="accent4"/>
+                      </a:solidFill>
+                      <a:prstDash val="solid"/>
+                      <a:round/>
+                      <a:headEnd type="none" w="med" len="med"/>
+                      <a:tailEnd type="none" w="med" len="med"/>
+                    </a:lnB>
+                    <a:noFill/>
+                  </a:tcPr>
+                </a:tc>
+                <a:tc>
+                  <a:txBody>
+                    <a:bodyPr/>
+                    <a:lstStyle/>
+                    <a:p>
+                      <a:pPr algn="l"/>
+                      <a:r>
+                        <a:rPr lang="en-US" sz="3600" b="1" dirty="0" smtClean="0"/>
+                        <a:t>Add JSON output</a:t>
+                      </a:r>
+                      <a:endParaRPr lang="en-US" sz="3600" b="1" dirty="0"/>
+                    </a:p>
+                  </a:txBody>
+                  <a:tcPr anchor="ctr">
+                    <a:lnL w="12700" cap="flat" cmpd="sng" algn="ctr">
+                      <a:solidFill>
+                        <a:schemeClr val="accent4"/>
+                      </a:solidFill>
+                      <a:prstDash val="solid"/>
+                      <a:round/>
+                      <a:headEnd type="none" w="med" len="med"/>
+                      <a:tailEnd type="none" w="med" len="med"/>
+                    </a:lnL>
+                    <a:lnR w="12700" cap="flat" cmpd="sng" algn="ctr">
+                      <a:solidFill>
+                        <a:schemeClr val="accent4"/>
+                      </a:solidFill>
+                      <a:prstDash val="solid"/>
+                      <a:round/>
+                      <a:headEnd type="none" w="med" len="med"/>
+                      <a:tailEnd type="none" w="med" len="med"/>
+                    </a:lnR>
+                    <a:lnT w="12700" cap="flat" cmpd="sng" algn="ctr">
+                      <a:solidFill>
+                        <a:schemeClr val="accent4"/>
+                      </a:solidFill>
+                      <a:prstDash val="solid"/>
+                      <a:round/>
+                      <a:headEnd type="none" w="med" len="med"/>
+                      <a:tailEnd type="none" w="med" len="med"/>
+                    </a:lnT>
+                    <a:lnB w="12700" cap="flat" cmpd="sng" algn="ctr">
+                      <a:solidFill>
+                        <a:schemeClr val="accent4"/>
+                      </a:solidFill>
+                      <a:prstDash val="solid"/>
+                      <a:round/>
+                      <a:headEnd type="none" w="med" len="med"/>
+                      <a:tailEnd type="none" w="med" len="med"/>
+                    </a:lnB>
+                    <a:noFill/>
+                  </a:tcPr>
+                </a:tc>
+              </a:tr>
+            </a:tbl>
+          </a:graphicData>
+        </a:graphic>
+      </p:graphicFrame>
     </p:spTree>
   </p:cSld>
   <p:clrMapOvr>
@@ -4195,31 +4472,42 @@
         </p:nvSpPr>
         <p:spPr>
           <a:xfrm>
-            <a:off x="457200" y="2133600"/>
-            <a:ext cx="8229600" cy="2895600"/>
+            <a:off x="1066800" y="2209800"/>
+            <a:ext cx="6172200" cy="3048000"/>
           </a:xfrm>
         </p:spPr>
         <p:txBody>
-          <a:bodyPr/>
-          <a:lstStyle/>
-          <a:p>
-            <a:r>
-              <a:rPr lang="en-US" dirty="0" smtClean="0"/>
+          <a:bodyPr>
+            <a:normAutofit/>
+          </a:bodyPr>
+          <a:lstStyle/>
+          <a:p>
+            <a:r>
+              <a:rPr lang="en-US" sz="4400" dirty="0" smtClean="0"/>
               <a:t>Workplace logistics</a:t>
             </a:r>
           </a:p>
           <a:p>
             <a:r>
-              <a:rPr lang="en-US" dirty="0" smtClean="0"/>
-              <a:t>Procure laptops and software, or BYOD </a:t>
-            </a:r>
-          </a:p>
-          <a:p>
-            <a:r>
-              <a:rPr lang="en-US" dirty="0" smtClean="0"/>
-              <a:t>Setup the development stack</a:t>
-            </a:r>
-            <a:endParaRPr lang="en-US" dirty="0"/>
+              <a:rPr lang="en-US" sz="4400" dirty="0" smtClean="0"/>
+              <a:t>Laptops, software</a:t>
+            </a:r>
+            <a:endParaRPr lang="en-US" sz="4400" dirty="0" smtClean="0"/>
+          </a:p>
+          <a:p>
+            <a:r>
+              <a:rPr lang="en-US" sz="4400" dirty="0" smtClean="0"/>
+              <a:t>Setup the </a:t>
+            </a:r>
+            <a:r>
+              <a:rPr lang="en-US" sz="4400" dirty="0" smtClean="0"/>
+              <a:t>dev </a:t>
+            </a:r>
+            <a:r>
+              <a:rPr lang="en-US" sz="4400" dirty="0" smtClean="0"/>
+              <a:t>stack</a:t>
+            </a:r>
+            <a:endParaRPr lang="en-US" sz="4400" dirty="0"/>
           </a:p>
         </p:txBody>
       </p:sp>
@@ -4302,19 +4590,19 @@
           <a:lstStyle/>
           <a:p>
             <a:r>
-              <a:rPr lang="en-US" sz="3600" dirty="0" smtClean="0"/>
+              <a:rPr lang="en-US" sz="4400" dirty="0" smtClean="0"/>
               <a:t>No distractions </a:t>
             </a:r>
           </a:p>
           <a:p>
             <a:r>
-              <a:rPr lang="en-US" sz="3600" dirty="0" smtClean="0"/>
+              <a:rPr lang="en-US" sz="4400" dirty="0" smtClean="0"/>
               <a:t>One goal at a time</a:t>
             </a:r>
           </a:p>
           <a:p>
             <a:r>
-              <a:rPr lang="en-US" sz="3600" dirty="0" smtClean="0"/>
+              <a:rPr lang="en-US" sz="4400" dirty="0" smtClean="0"/>
               <a:t>Short timeframe</a:t>
             </a:r>
           </a:p>
@@ -4388,25 +4676,46 @@
         </p:nvSpPr>
         <p:spPr>
           <a:xfrm>
-            <a:off x="457200" y="2362200"/>
-            <a:ext cx="8229600" cy="2133600"/>
+            <a:off x="1066800" y="2209800"/>
+            <a:ext cx="7086600" cy="3124200"/>
           </a:xfrm>
         </p:spPr>
         <p:txBody>
-          <a:bodyPr/>
-          <a:lstStyle/>
-          <a:p>
-            <a:r>
-              <a:rPr lang="en-US" dirty="0" smtClean="0"/>
-              <a:t>Evaluate successes and pitfalls</a:t>
-            </a:r>
-          </a:p>
-          <a:p>
-            <a:r>
-              <a:rPr lang="en-US" dirty="0" smtClean="0"/>
-              <a:t>Fine tune the plan for your next sprint</a:t>
-            </a:r>
-            <a:endParaRPr lang="en-US" dirty="0"/>
+          <a:bodyPr>
+            <a:noAutofit/>
+          </a:bodyPr>
+          <a:lstStyle/>
+          <a:p>
+            <a:r>
+              <a:rPr lang="en-US" sz="4400" dirty="0" smtClean="0"/>
+              <a:t>Evaluate</a:t>
+            </a:r>
+            <a:endParaRPr lang="en-US" sz="4400" dirty="0" smtClean="0"/>
+          </a:p>
+          <a:p>
+            <a:r>
+              <a:rPr lang="en-US" sz="4400" dirty="0" smtClean="0"/>
+              <a:t>Fine </a:t>
+            </a:r>
+            <a:r>
+              <a:rPr lang="en-US" sz="4400" dirty="0" smtClean="0"/>
+              <a:t>tune</a:t>
+            </a:r>
+          </a:p>
+          <a:p>
+            <a:r>
+              <a:rPr lang="en-US" sz="4400" dirty="0" smtClean="0"/>
+              <a:t>P</a:t>
+            </a:r>
+            <a:r>
+              <a:rPr lang="en-US" sz="4400" dirty="0" smtClean="0"/>
+              <a:t>lan your </a:t>
+            </a:r>
+            <a:r>
+              <a:rPr lang="en-US" sz="4400" dirty="0" smtClean="0"/>
+              <a:t>next sprint</a:t>
+            </a:r>
+            <a:endParaRPr lang="en-US" sz="4400" dirty="0"/>
           </a:p>
         </p:txBody>
       </p:sp>
@@ -4791,7 +5100,7 @@
         </p:nvSpPr>
         <p:spPr>
           <a:xfrm>
-            <a:off x="1714500" y="2095500"/>
+            <a:off x="1066800" y="2133600"/>
             <a:ext cx="5715000" cy="2667000"/>
           </a:xfrm>
         </p:spPr>
@@ -4803,14 +5112,19 @@
           <a:p>
             <a:r>
               <a:rPr lang="en-US" sz="4400" dirty="0" smtClean="0"/>
-              <a:t>Skilled developers</a:t>
+              <a:t>5-10 people </a:t>
             </a:r>
           </a:p>
           <a:p>
             <a:r>
               <a:rPr lang="en-US" sz="4400" dirty="0" smtClean="0"/>
-              <a:t>Small group</a:t>
-            </a:r>
+              <a:t>Highly </a:t>
+            </a:r>
+            <a:r>
+              <a:rPr lang="en-US" sz="4400" dirty="0" smtClean="0"/>
+              <a:t>skilled</a:t>
+            </a:r>
+            <a:endParaRPr lang="en-US" sz="4400" dirty="0" smtClean="0"/>
           </a:p>
           <a:p>
             <a:r>
@@ -4871,7 +5185,11 @@
           <a:p>
             <a:r>
               <a:rPr lang="en-US" dirty="0" smtClean="0"/>
-              <a:t>Why Now?</a:t>
+              <a:t>Now</a:t>
+            </a:r>
+            <a:r>
+              <a:rPr lang="en-US" dirty="0" smtClean="0"/>
+              <a:t>’s the Time</a:t>
             </a:r>
             <a:endParaRPr lang="en-US" dirty="0"/>
           </a:p>
@@ -4901,7 +5219,7 @@
           <a:p>
             <a:r>
               <a:rPr lang="en-US" sz="4400" dirty="0" smtClean="0"/>
-              <a:t>Better access to tools</a:t>
+              <a:t>Access to tools</a:t>
             </a:r>
             <a:endParaRPr lang="en-US" sz="4400" dirty="0" smtClean="0"/>
           </a:p>
@@ -4963,7 +5281,7 @@
           <a:p>
             <a:r>
               <a:rPr lang="en-US" dirty="0" smtClean="0"/>
-              <a:t>Why Now?</a:t>
+              <a:t>Now’s the Time</a:t>
             </a:r>
             <a:endParaRPr lang="en-US" dirty="0"/>
           </a:p>
@@ -5163,8 +5481,8 @@
         </p:nvSpPr>
         <p:spPr>
           <a:xfrm>
-            <a:off x="2445457" y="1371600"/>
-            <a:ext cx="4253087" cy="584775"/>
+            <a:off x="2558468" y="1396425"/>
+            <a:ext cx="3716082" cy="584775"/>
           </a:xfrm>
           <a:prstGeom prst="rect">
             <a:avLst/>
@@ -5184,10 +5502,9 @@
                     <a:lumOff val="60000"/>
                   </a:schemeClr>
                 </a:solidFill>
-                <a:latin typeface="Consolas" pitchFamily="49" charset="0"/>
                 <a:cs typeface="Consolas" pitchFamily="49" charset="0"/>
               </a:rPr>
-              <a:t>github.com/</a:t>
+              <a:t>NYS-ITS on </a:t>
             </a:r>
             <a:r>
               <a:rPr lang="en-US" sz="3200" dirty="0" err="1" smtClean="0">
@@ -5197,24 +5514,19 @@
                     <a:lumOff val="60000"/>
                   </a:schemeClr>
                 </a:solidFill>
-                <a:latin typeface="Consolas" pitchFamily="49" charset="0"/>
                 <a:cs typeface="Consolas" pitchFamily="49" charset="0"/>
               </a:rPr>
-              <a:t>nys</a:t>
-            </a:r>
-            <a:r>
-              <a:rPr lang="en-US" sz="3200" dirty="0" smtClean="0">
-                <a:solidFill>
-                  <a:schemeClr val="accent6">
-                    <a:lumMod val="40000"/>
-                    <a:lumOff val="60000"/>
-                  </a:schemeClr>
-                </a:solidFill>
-                <a:latin typeface="Consolas" pitchFamily="49" charset="0"/>
-                <a:cs typeface="Consolas" pitchFamily="49" charset="0"/>
-              </a:rPr>
-              <a:t>-its</a:t>
-            </a:r>
+              <a:t>GitHub</a:t>
+            </a:r>
+            <a:endParaRPr lang="en-US" sz="3200" dirty="0" smtClean="0">
+              <a:solidFill>
+                <a:schemeClr val="accent6">
+                  <a:lumMod val="40000"/>
+                  <a:lumOff val="60000"/>
+                </a:schemeClr>
+              </a:solidFill>
+              <a:cs typeface="Consolas" pitchFamily="49" charset="0"/>
+            </a:endParaRPr>
           </a:p>
         </p:txBody>
       </p:sp>
@@ -5291,7 +5603,7 @@
         </p:nvSpPr>
         <p:spPr>
           <a:xfrm>
-            <a:off x="723900" y="3124200"/>
+            <a:off x="723900" y="3055441"/>
             <a:ext cx="6629400" cy="3429000"/>
           </a:xfrm>
         </p:spPr>
@@ -5405,7 +5717,7 @@
         </p:nvSpPr>
         <p:spPr>
           <a:xfrm>
-            <a:off x="685800" y="2278559"/>
+            <a:off x="685800" y="2209800"/>
             <a:ext cx="6434775" cy="769441"/>
           </a:xfrm>
           <a:prstGeom prst="rect">
@@ -5427,14 +5739,14 @@
       </p:sp>
       <p:sp>
         <p:nvSpPr>
-          <p:cNvPr id="6" name="Rectangle 5"/>
+          <p:cNvPr id="7" name="Rectangle 6"/>
           <p:cNvSpPr/>
           <p:nvPr/>
         </p:nvSpPr>
         <p:spPr>
           <a:xfrm>
-            <a:off x="2445457" y="1371600"/>
-            <a:ext cx="4253087" cy="584775"/>
+            <a:off x="2558468" y="1396425"/>
+            <a:ext cx="3716082" cy="584775"/>
           </a:xfrm>
           <a:prstGeom prst="rect">
             <a:avLst/>
@@ -5454,10 +5766,9 @@
                     <a:lumOff val="60000"/>
                   </a:schemeClr>
                 </a:solidFill>
-                <a:latin typeface="Consolas" pitchFamily="49" charset="0"/>
                 <a:cs typeface="Consolas" pitchFamily="49" charset="0"/>
               </a:rPr>
-              <a:t>github.com/</a:t>
+              <a:t>NYS-ITS on </a:t>
             </a:r>
             <a:r>
               <a:rPr lang="en-US" sz="3200" dirty="0" err="1" smtClean="0">
@@ -5467,24 +5778,19 @@
                     <a:lumOff val="60000"/>
                   </a:schemeClr>
                 </a:solidFill>
-                <a:latin typeface="Consolas" pitchFamily="49" charset="0"/>
                 <a:cs typeface="Consolas" pitchFamily="49" charset="0"/>
               </a:rPr>
-              <a:t>nys</a:t>
-            </a:r>
-            <a:r>
-              <a:rPr lang="en-US" sz="3200" dirty="0" smtClean="0">
-                <a:solidFill>
-                  <a:schemeClr val="accent6">
-                    <a:lumMod val="40000"/>
-                    <a:lumOff val="60000"/>
-                  </a:schemeClr>
-                </a:solidFill>
-                <a:latin typeface="Consolas" pitchFamily="49" charset="0"/>
-                <a:cs typeface="Consolas" pitchFamily="49" charset="0"/>
-              </a:rPr>
-              <a:t>-its</a:t>
-            </a:r>
+              <a:t>GitHub</a:t>
+            </a:r>
+            <a:endParaRPr lang="en-US" sz="3200" dirty="0" smtClean="0">
+              <a:solidFill>
+                <a:schemeClr val="accent6">
+                  <a:lumMod val="40000"/>
+                  <a:lumOff val="60000"/>
+                </a:schemeClr>
+              </a:solidFill>
+              <a:cs typeface="Consolas" pitchFamily="49" charset="0"/>
+            </a:endParaRPr>
           </a:p>
         </p:txBody>
       </p:sp>

--- a/code-sprint.pptx
+++ b/code-sprint.pptx
@@ -17,12 +17,12 @@
     <p:sldId id="265" r:id="rId11"/>
     <p:sldId id="266" r:id="rId12"/>
     <p:sldId id="267" r:id="rId13"/>
-    <p:sldId id="268" r:id="rId14"/>
-    <p:sldId id="270" r:id="rId15"/>
-    <p:sldId id="271" r:id="rId16"/>
-    <p:sldId id="272" r:id="rId17"/>
-    <p:sldId id="273" r:id="rId18"/>
-    <p:sldId id="274" r:id="rId19"/>
+    <p:sldId id="274" r:id="rId14"/>
+    <p:sldId id="268" r:id="rId15"/>
+    <p:sldId id="270" r:id="rId16"/>
+    <p:sldId id="271" r:id="rId17"/>
+    <p:sldId id="272" r:id="rId18"/>
+    <p:sldId id="273" r:id="rId19"/>
     <p:sldId id="275" r:id="rId20"/>
     <p:sldId id="276" r:id="rId21"/>
   </p:sldIdLst>
@@ -3155,7 +3155,6 @@
               <a:rPr lang="en-US" sz="4400" dirty="0" smtClean="0"/>
               <a:t>Multitasking</a:t>
             </a:r>
-            <a:endParaRPr lang="en-US" sz="4400" dirty="0" smtClean="0"/>
           </a:p>
           <a:p>
             <a:r>
@@ -3168,7 +3167,6 @@
               <a:rPr lang="en-US" sz="4400" dirty="0" smtClean="0"/>
               <a:t>Broad focus</a:t>
             </a:r>
-            <a:endParaRPr lang="en-US" sz="4400" dirty="0" smtClean="0"/>
           </a:p>
         </p:txBody>
       </p:sp>
@@ -3414,8 +3412,8 @@
         </p:nvSpPr>
         <p:spPr>
           <a:xfrm>
-            <a:off x="838200" y="2362200"/>
-            <a:ext cx="7467600" cy="3276600"/>
+            <a:off x="990600" y="2057400"/>
+            <a:ext cx="6629400" cy="3276600"/>
           </a:xfrm>
         </p:spPr>
         <p:txBody>
@@ -3432,13 +3430,8 @@
           <a:p>
             <a:r>
               <a:rPr lang="en-US" sz="4400" dirty="0" smtClean="0"/>
-              <a:t>Skilled </a:t>
-            </a:r>
-            <a:r>
-              <a:rPr lang="en-US" sz="4400" dirty="0" smtClean="0"/>
-              <a:t>team</a:t>
-            </a:r>
-            <a:endParaRPr lang="en-US" sz="4400" dirty="0" smtClean="0"/>
+              <a:t>Skilled team</a:t>
+            </a:r>
           </a:p>
           <a:p>
             <a:r>
@@ -3492,33 +3485,38 @@
             <p:ph type="title"/>
           </p:nvPr>
         </p:nvSpPr>
-        <p:spPr/>
-        <p:txBody>
-          <a:bodyPr/>
-          <a:lstStyle/>
-          <a:p>
-            <a:r>
-              <a:rPr lang="en-US" dirty="0" smtClean="0"/>
-              <a:t>Room for Improvement</a:t>
-            </a:r>
-            <a:endParaRPr lang="en-US" dirty="0"/>
-          </a:p>
-        </p:txBody>
-      </p:sp>
-      <p:sp>
-        <p:nvSpPr>
-          <p:cNvPr id="3" name="Content Placeholder 2"/>
-          <p:cNvSpPr>
-            <a:spLocks noGrp="1"/>
-          </p:cNvSpPr>
-          <p:nvPr>
-            <p:ph idx="1"/>
-          </p:nvPr>
-        </p:nvSpPr>
         <p:spPr>
           <a:xfrm>
-            <a:off x="838200" y="2362200"/>
-            <a:ext cx="7239000" cy="2438400"/>
+            <a:off x="457200" y="274638"/>
+            <a:ext cx="8229600" cy="1143000"/>
+          </a:xfrm>
+        </p:spPr>
+        <p:txBody>
+          <a:bodyPr/>
+          <a:lstStyle/>
+          <a:p>
+            <a:r>
+              <a:rPr lang="en-US" dirty="0" smtClean="0"/>
+              <a:t>Bring Your Own Devices</a:t>
+            </a:r>
+            <a:endParaRPr lang="en-US" dirty="0"/>
+          </a:p>
+        </p:txBody>
+      </p:sp>
+      <p:sp>
+        <p:nvSpPr>
+          <p:cNvPr id="3" name="Content Placeholder 2"/>
+          <p:cNvSpPr>
+            <a:spLocks noGrp="1"/>
+          </p:cNvSpPr>
+          <p:nvPr>
+            <p:ph idx="1"/>
+          </p:nvPr>
+        </p:nvSpPr>
+        <p:spPr>
+          <a:xfrm>
+            <a:off x="990600" y="2057400"/>
+            <a:ext cx="7010400" cy="2209800"/>
           </a:xfrm>
         </p:spPr>
         <p:txBody>
@@ -3529,20 +3527,15 @@
           <a:p>
             <a:r>
               <a:rPr lang="en-US" sz="4400" dirty="0" smtClean="0"/>
-              <a:t>Workplace </a:t>
-            </a:r>
+              <a:t>Laptops</a:t>
+            </a:r>
+          </a:p>
+          <a:p>
             <a:r>
               <a:rPr lang="en-US" sz="4400" dirty="0" smtClean="0"/>
-              <a:t>logistics</a:t>
-            </a:r>
-            <a:endParaRPr lang="en-US" sz="4400" dirty="0" smtClean="0"/>
-          </a:p>
-          <a:p>
-            <a:r>
-              <a:rPr lang="en-US" sz="4400" dirty="0" smtClean="0"/>
-              <a:t>Software uncertainty</a:t>
-            </a:r>
-            <a:endParaRPr lang="en-US" sz="4400" dirty="0" smtClean="0"/>
+              <a:t>Phones, tablets, etc</a:t>
+            </a:r>
+            <a:endParaRPr lang="en-US" sz="4400" dirty="0"/>
           </a:p>
         </p:txBody>
       </p:sp>
@@ -3581,6 +3574,29 @@
       </p:grpSpPr>
       <p:sp>
         <p:nvSpPr>
+          <p:cNvPr id="2" name="Title 1"/>
+          <p:cNvSpPr>
+            <a:spLocks noGrp="1"/>
+          </p:cNvSpPr>
+          <p:nvPr>
+            <p:ph type="title"/>
+          </p:nvPr>
+        </p:nvSpPr>
+        <p:spPr/>
+        <p:txBody>
+          <a:bodyPr/>
+          <a:lstStyle/>
+          <a:p>
+            <a:r>
+              <a:rPr lang="en-US" dirty="0" smtClean="0"/>
+              <a:t>Room for Improvement</a:t>
+            </a:r>
+            <a:endParaRPr lang="en-US" dirty="0"/>
+          </a:p>
+        </p:txBody>
+      </p:sp>
+      <p:sp>
+        <p:nvSpPr>
           <p:cNvPr id="3" name="Content Placeholder 2"/>
           <p:cNvSpPr>
             <a:spLocks noGrp="1"/>
@@ -3591,45 +3607,8 @@
         </p:nvSpPr>
         <p:spPr>
           <a:xfrm>
-            <a:off x="838200" y="2362200"/>
-            <a:ext cx="7924800" cy="3048000"/>
-          </a:xfrm>
-        </p:spPr>
-        <p:txBody>
-          <a:bodyPr>
-            <a:noAutofit/>
-          </a:bodyPr>
-          <a:lstStyle/>
-          <a:p>
-            <a:r>
-              <a:rPr lang="en-US" sz="4400" dirty="0" smtClean="0"/>
-              <a:t>Cross-agency</a:t>
-            </a:r>
-            <a:endParaRPr lang="en-US" sz="4400" dirty="0" smtClean="0"/>
-          </a:p>
-          <a:p>
-            <a:r>
-              <a:rPr lang="en-US" sz="4400" dirty="0" smtClean="0"/>
-              <a:t>Modernization</a:t>
-            </a:r>
-            <a:endParaRPr lang="en-US" sz="4400" dirty="0" smtClean="0"/>
-          </a:p>
-        </p:txBody>
-      </p:sp>
-      <p:sp>
-        <p:nvSpPr>
-          <p:cNvPr id="5" name="Title 1"/>
-          <p:cNvSpPr>
-            <a:spLocks noGrp="1"/>
-          </p:cNvSpPr>
-          <p:nvPr>
-            <p:ph type="title"/>
-          </p:nvPr>
-        </p:nvSpPr>
-        <p:spPr>
-          <a:xfrm>
-            <a:off x="457200" y="274638"/>
-            <a:ext cx="8229600" cy="1143000"/>
+            <a:off x="990600" y="2057400"/>
+            <a:ext cx="7239000" cy="2438400"/>
           </a:xfrm>
         </p:spPr>
         <p:txBody>
@@ -3639,14 +3618,15 @@
           <a:lstStyle/>
           <a:p>
             <a:r>
-              <a:rPr lang="en-US" dirty="0" smtClean="0"/>
-              <a:t>Ideal </a:t>
-            </a:r>
-            <a:r>
-              <a:rPr lang="en-US" dirty="0" smtClean="0"/>
-              <a:t>Projects</a:t>
-            </a:r>
-            <a:endParaRPr lang="en-US" dirty="0"/>
+              <a:rPr lang="en-US" sz="4400" dirty="0" smtClean="0"/>
+              <a:t>Workplace logistics</a:t>
+            </a:r>
+          </a:p>
+          <a:p>
+            <a:r>
+              <a:rPr lang="en-US" sz="4400" dirty="0" smtClean="0"/>
+              <a:t>Software uncertainty</a:t>
+            </a:r>
           </a:p>
         </p:txBody>
       </p:sp>
@@ -3685,7 +3665,42 @@
       </p:grpSpPr>
       <p:sp>
         <p:nvSpPr>
-          <p:cNvPr id="2" name="Title 1"/>
+          <p:cNvPr id="3" name="Content Placeholder 2"/>
+          <p:cNvSpPr>
+            <a:spLocks noGrp="1"/>
+          </p:cNvSpPr>
+          <p:nvPr>
+            <p:ph idx="1"/>
+          </p:nvPr>
+        </p:nvSpPr>
+        <p:spPr>
+          <a:xfrm>
+            <a:off x="990600" y="2057400"/>
+            <a:ext cx="6858000" cy="3048000"/>
+          </a:xfrm>
+        </p:spPr>
+        <p:txBody>
+          <a:bodyPr>
+            <a:noAutofit/>
+          </a:bodyPr>
+          <a:lstStyle/>
+          <a:p>
+            <a:r>
+              <a:rPr lang="en-US" sz="4400" dirty="0" smtClean="0"/>
+              <a:t>Cross-agency</a:t>
+            </a:r>
+          </a:p>
+          <a:p>
+            <a:r>
+              <a:rPr lang="en-US" sz="4400" dirty="0" smtClean="0"/>
+              <a:t>Modernization</a:t>
+            </a:r>
+          </a:p>
+        </p:txBody>
+      </p:sp>
+      <p:sp>
+        <p:nvSpPr>
+          <p:cNvPr id="5" name="Title 1"/>
           <p:cNvSpPr>
             <a:spLocks noGrp="1"/>
           </p:cNvSpPr>
@@ -3693,7 +3708,12 @@
             <p:ph type="title"/>
           </p:nvPr>
         </p:nvSpPr>
-        <p:spPr/>
+        <p:spPr>
+          <a:xfrm>
+            <a:off x="457200" y="274638"/>
+            <a:ext cx="8229600" cy="1143000"/>
+          </a:xfrm>
+        </p:spPr>
         <p:txBody>
           <a:bodyPr>
             <a:normAutofit/>
@@ -3702,49 +3722,9 @@
           <a:p>
             <a:r>
               <a:rPr lang="en-US" dirty="0" smtClean="0"/>
-              <a:t>Ideal </a:t>
-            </a:r>
-            <a:r>
-              <a:rPr lang="en-US" dirty="0" smtClean="0"/>
-              <a:t>Projects</a:t>
+              <a:t>Ideal Projects</a:t>
             </a:r>
             <a:endParaRPr lang="en-US" dirty="0"/>
-          </a:p>
-        </p:txBody>
-      </p:sp>
-      <p:sp>
-        <p:nvSpPr>
-          <p:cNvPr id="3" name="Content Placeholder 2"/>
-          <p:cNvSpPr>
-            <a:spLocks noGrp="1"/>
-          </p:cNvSpPr>
-          <p:nvPr>
-            <p:ph idx="1"/>
-          </p:nvPr>
-        </p:nvSpPr>
-        <p:spPr>
-          <a:xfrm>
-            <a:off x="838200" y="2362200"/>
-            <a:ext cx="7086600" cy="2971800"/>
-          </a:xfrm>
-        </p:spPr>
-        <p:txBody>
-          <a:bodyPr>
-            <a:normAutofit/>
-          </a:bodyPr>
-          <a:lstStyle/>
-          <a:p>
-            <a:r>
-              <a:rPr lang="en-US" sz="4400" dirty="0" smtClean="0"/>
-              <a:t>Create</a:t>
-            </a:r>
-          </a:p>
-          <a:p>
-            <a:r>
-              <a:rPr lang="en-US" sz="4400" dirty="0" smtClean="0"/>
-              <a:t>Explore</a:t>
-            </a:r>
-            <a:endParaRPr lang="en-US" sz="4400" dirty="0" smtClean="0"/>
           </a:p>
         </p:txBody>
       </p:sp>
@@ -3793,12 +3773,14 @@
         </p:nvSpPr>
         <p:spPr/>
         <p:txBody>
-          <a:bodyPr/>
+          <a:bodyPr>
+            <a:normAutofit/>
+          </a:bodyPr>
           <a:lstStyle/>
           <a:p>
             <a:r>
               <a:rPr lang="en-US" dirty="0" smtClean="0"/>
-              <a:t>Recipe for a Code Sprint</a:t>
+              <a:t>Ideal Projects</a:t>
             </a:r>
             <a:endParaRPr lang="en-US" dirty="0"/>
           </a:p>
@@ -3806,74 +3788,36 @@
       </p:sp>
       <p:sp>
         <p:nvSpPr>
-          <p:cNvPr id="4" name="Content Placeholder 2"/>
-          <p:cNvSpPr txBox="1">
-            <a:spLocks/>
-          </p:cNvSpPr>
-          <p:nvPr/>
+          <p:cNvPr id="3" name="Content Placeholder 2"/>
+          <p:cNvSpPr>
+            <a:spLocks noGrp="1"/>
+          </p:cNvSpPr>
+          <p:nvPr>
+            <p:ph idx="1"/>
+          </p:nvPr>
         </p:nvSpPr>
         <p:spPr>
           <a:xfrm>
-            <a:off x="838200" y="2362200"/>
-            <a:ext cx="7086600" cy="3352800"/>
+            <a:off x="990600" y="2057400"/>
+            <a:ext cx="7086600" cy="2971800"/>
           </a:xfrm>
-          <a:prstGeom prst="rect">
-            <a:avLst/>
-          </a:prstGeom>
         </p:spPr>
         <p:txBody>
-          <a:bodyPr vert="horz" lIns="91440" tIns="45720" rIns="91440" bIns="45720" rtlCol="0">
+          <a:bodyPr>
             <a:normAutofit/>
           </a:bodyPr>
           <a:lstStyle/>
           <a:p>
-            <a:pPr marL="342900" indent="-342900">
-              <a:spcBef>
-                <a:spcPct val="20000"/>
-              </a:spcBef>
-              <a:buFont typeface="Arial" pitchFamily="34" charset="0"/>
-              <a:buChar char="•"/>
-            </a:pPr>
             <a:r>
               <a:rPr lang="en-US" sz="4400" dirty="0" smtClean="0"/>
-              <a:t>2-day to 1-week project</a:t>
-            </a:r>
-          </a:p>
-          <a:p>
-            <a:pPr marL="342900" indent="-342900">
-              <a:spcBef>
-                <a:spcPct val="20000"/>
-              </a:spcBef>
-              <a:buFont typeface="Arial" pitchFamily="34" charset="0"/>
-              <a:buChar char="•"/>
-            </a:pPr>
+              <a:t>Create</a:t>
+            </a:r>
+          </a:p>
+          <a:p>
             <a:r>
               <a:rPr lang="en-US" sz="4400" dirty="0" smtClean="0"/>
-              <a:t>The right </a:t>
-            </a:r>
-            <a:r>
-              <a:rPr lang="en-US" sz="4400" dirty="0" smtClean="0"/>
-              <a:t>people</a:t>
-            </a:r>
-            <a:endParaRPr lang="en-US" sz="4400" dirty="0" smtClean="0"/>
-          </a:p>
-          <a:p>
-            <a:pPr marL="342900" indent="-342900">
-              <a:spcBef>
-                <a:spcPct val="20000"/>
-              </a:spcBef>
-              <a:buFont typeface="Arial" pitchFamily="34" charset="0"/>
-              <a:buChar char="•"/>
-            </a:pPr>
-            <a:r>
-              <a:rPr lang="en-US" sz="4400" dirty="0" smtClean="0"/>
-              <a:t>All other projects in maintenance </a:t>
-            </a:r>
-            <a:r>
-              <a:rPr lang="en-US" sz="4400" dirty="0" smtClean="0"/>
-              <a:t>mode</a:t>
-            </a:r>
-            <a:endParaRPr lang="en-US" sz="4400" dirty="0" smtClean="0"/>
+              <a:t>Explore</a:t>
+            </a:r>
           </a:p>
         </p:txBody>
       </p:sp>
@@ -3894,6 +3838,125 @@
 </file>
 
 <file path=ppt/slides/slide17.xml><?xml version="1.0" encoding="utf-8"?>
+<p:sld xmlns:a="http://schemas.openxmlformats.org/drawingml/2006/main" xmlns:r="http://schemas.openxmlformats.org/officeDocument/2006/relationships" xmlns:p="http://schemas.openxmlformats.org/presentationml/2006/main">
+  <p:cSld>
+    <p:spTree>
+      <p:nvGrpSpPr>
+        <p:cNvPr id="1" name=""/>
+        <p:cNvGrpSpPr/>
+        <p:nvPr/>
+      </p:nvGrpSpPr>
+      <p:grpSpPr>
+        <a:xfrm>
+          <a:off x="0" y="0"/>
+          <a:ext cx="0" cy="0"/>
+          <a:chOff x="0" y="0"/>
+          <a:chExt cx="0" cy="0"/>
+        </a:xfrm>
+      </p:grpSpPr>
+      <p:sp>
+        <p:nvSpPr>
+          <p:cNvPr id="2" name="Title 1"/>
+          <p:cNvSpPr>
+            <a:spLocks noGrp="1"/>
+          </p:cNvSpPr>
+          <p:nvPr>
+            <p:ph type="title"/>
+          </p:nvPr>
+        </p:nvSpPr>
+        <p:spPr/>
+        <p:txBody>
+          <a:bodyPr/>
+          <a:lstStyle/>
+          <a:p>
+            <a:r>
+              <a:rPr lang="en-US" dirty="0" smtClean="0"/>
+              <a:t>Recipe for a Code Sprint</a:t>
+            </a:r>
+            <a:endParaRPr lang="en-US" dirty="0"/>
+          </a:p>
+        </p:txBody>
+      </p:sp>
+      <p:sp>
+        <p:nvSpPr>
+          <p:cNvPr id="4" name="Content Placeholder 2"/>
+          <p:cNvSpPr txBox="1">
+            <a:spLocks/>
+          </p:cNvSpPr>
+          <p:nvPr/>
+        </p:nvSpPr>
+        <p:spPr>
+          <a:xfrm>
+            <a:off x="990600" y="2057400"/>
+            <a:ext cx="7086600" cy="3352800"/>
+          </a:xfrm>
+          <a:prstGeom prst="rect">
+            <a:avLst/>
+          </a:prstGeom>
+        </p:spPr>
+        <p:txBody>
+          <a:bodyPr vert="horz" lIns="91440" tIns="45720" rIns="91440" bIns="45720" rtlCol="0">
+            <a:normAutofit/>
+          </a:bodyPr>
+          <a:lstStyle/>
+          <a:p>
+            <a:pPr marL="342900" indent="-342900">
+              <a:spcBef>
+                <a:spcPct val="20000"/>
+              </a:spcBef>
+              <a:buFont typeface="Arial" pitchFamily="34" charset="0"/>
+              <a:buChar char="•"/>
+            </a:pPr>
+            <a:r>
+              <a:rPr lang="en-US" sz="4400" dirty="0" smtClean="0"/>
+              <a:t>2-day to 1-week project</a:t>
+            </a:r>
+          </a:p>
+          <a:p>
+            <a:pPr marL="342900" indent="-342900">
+              <a:spcBef>
+                <a:spcPct val="20000"/>
+              </a:spcBef>
+              <a:buFont typeface="Arial" pitchFamily="34" charset="0"/>
+              <a:buChar char="•"/>
+            </a:pPr>
+            <a:r>
+              <a:rPr lang="en-US" sz="4400" dirty="0" smtClean="0"/>
+              <a:t>The right people</a:t>
+            </a:r>
+          </a:p>
+          <a:p>
+            <a:pPr marL="342900" indent="-342900">
+              <a:spcBef>
+                <a:spcPct val="20000"/>
+              </a:spcBef>
+              <a:buFont typeface="Arial" pitchFamily="34" charset="0"/>
+              <a:buChar char="•"/>
+            </a:pPr>
+            <a:r>
+              <a:rPr lang="en-US" sz="4400" dirty="0" smtClean="0"/>
+              <a:t>All other projects in maintenance mode</a:t>
+            </a:r>
+          </a:p>
+        </p:txBody>
+      </p:sp>
+    </p:spTree>
+  </p:cSld>
+  <p:clrMapOvr>
+    <a:masterClrMapping/>
+  </p:clrMapOvr>
+  <p:transition advTm="12000"/>
+  <p:timing>
+    <p:tnLst>
+      <p:par>
+        <p:cTn id="1" dur="indefinite" restart="never" nodeType="tmRoot"/>
+      </p:par>
+    </p:tnLst>
+  </p:timing>
+</p:sld>
+</file>
+
+<file path=ppt/slides/slide18.xml><?xml version="1.0" encoding="utf-8"?>
 <p:sld xmlns:a="http://schemas.openxmlformats.org/drawingml/2006/main" xmlns:r="http://schemas.openxmlformats.org/officeDocument/2006/relationships" xmlns:p="http://schemas.openxmlformats.org/presentationml/2006/main">
   <p:cSld>
     <p:spTree>
@@ -4323,103 +4386,6 @@
 </p:sld>
 </file>
 
-<file path=ppt/slides/slide18.xml><?xml version="1.0" encoding="utf-8"?>
-<p:sld xmlns:a="http://schemas.openxmlformats.org/drawingml/2006/main" xmlns:r="http://schemas.openxmlformats.org/officeDocument/2006/relationships" xmlns:p="http://schemas.openxmlformats.org/presentationml/2006/main">
-  <p:cSld>
-    <p:spTree>
-      <p:nvGrpSpPr>
-        <p:cNvPr id="1" name=""/>
-        <p:cNvGrpSpPr/>
-        <p:nvPr/>
-      </p:nvGrpSpPr>
-      <p:grpSpPr>
-        <a:xfrm>
-          <a:off x="0" y="0"/>
-          <a:ext cx="0" cy="0"/>
-          <a:chOff x="0" y="0"/>
-          <a:chExt cx="0" cy="0"/>
-        </a:xfrm>
-      </p:grpSpPr>
-      <p:sp>
-        <p:nvSpPr>
-          <p:cNvPr id="2" name="Title 1"/>
-          <p:cNvSpPr>
-            <a:spLocks noGrp="1"/>
-          </p:cNvSpPr>
-          <p:nvPr>
-            <p:ph type="title"/>
-          </p:nvPr>
-        </p:nvSpPr>
-        <p:spPr>
-          <a:xfrm>
-            <a:off x="457200" y="274638"/>
-            <a:ext cx="8229600" cy="1143000"/>
-          </a:xfrm>
-        </p:spPr>
-        <p:txBody>
-          <a:bodyPr/>
-          <a:lstStyle/>
-          <a:p>
-            <a:r>
-              <a:rPr lang="en-US" dirty="0" smtClean="0"/>
-              <a:t>Bring Your Own Devices</a:t>
-            </a:r>
-            <a:endParaRPr lang="en-US" dirty="0"/>
-          </a:p>
-        </p:txBody>
-      </p:sp>
-      <p:sp>
-        <p:nvSpPr>
-          <p:cNvPr id="3" name="Content Placeholder 2"/>
-          <p:cNvSpPr>
-            <a:spLocks noGrp="1"/>
-          </p:cNvSpPr>
-          <p:nvPr>
-            <p:ph idx="1"/>
-          </p:nvPr>
-        </p:nvSpPr>
-        <p:spPr>
-          <a:xfrm>
-            <a:off x="1066800" y="2209800"/>
-            <a:ext cx="7010400" cy="2209800"/>
-          </a:xfrm>
-        </p:spPr>
-        <p:txBody>
-          <a:bodyPr>
-            <a:normAutofit/>
-          </a:bodyPr>
-          <a:lstStyle/>
-          <a:p>
-            <a:r>
-              <a:rPr lang="en-US" sz="4400" dirty="0" smtClean="0"/>
-              <a:t>Laptops</a:t>
-            </a:r>
-          </a:p>
-          <a:p>
-            <a:r>
-              <a:rPr lang="en-US" sz="4400" dirty="0" smtClean="0"/>
-              <a:t>Phones, tablets, etc</a:t>
-            </a:r>
-            <a:endParaRPr lang="en-US" sz="4400" dirty="0"/>
-          </a:p>
-        </p:txBody>
-      </p:sp>
-    </p:spTree>
-  </p:cSld>
-  <p:clrMapOvr>
-    <a:masterClrMapping/>
-  </p:clrMapOvr>
-  <p:transition advTm="12000"/>
-  <p:timing>
-    <p:tnLst>
-      <p:par>
-        <p:cTn id="1" dur="indefinite" restart="never" nodeType="tmRoot"/>
-      </p:par>
-    </p:tnLst>
-  </p:timing>
-</p:sld>
-</file>
-
 <file path=ppt/slides/slide19.xml><?xml version="1.0" encoding="utf-8"?>
 <p:sld xmlns:a="http://schemas.openxmlformats.org/drawingml/2006/main" xmlns:r="http://schemas.openxmlformats.org/officeDocument/2006/relationships" xmlns:p="http://schemas.openxmlformats.org/presentationml/2006/main">
   <p:cSld>
@@ -4492,20 +4458,11 @@
               <a:rPr lang="en-US" sz="4400" dirty="0" smtClean="0"/>
               <a:t>Laptops, software</a:t>
             </a:r>
-            <a:endParaRPr lang="en-US" sz="4400" dirty="0" smtClean="0"/>
           </a:p>
           <a:p>
             <a:r>
               <a:rPr lang="en-US" sz="4400" dirty="0" smtClean="0"/>
-              <a:t>Setup the </a:t>
-            </a:r>
-            <a:r>
-              <a:rPr lang="en-US" sz="4400" dirty="0" smtClean="0"/>
-              <a:t>dev </a:t>
-            </a:r>
-            <a:r>
-              <a:rPr lang="en-US" sz="4400" dirty="0" smtClean="0"/>
-              <a:t>stack</a:t>
+              <a:t>Setup the dev stack</a:t>
             </a:r>
             <a:endParaRPr lang="en-US" sz="4400" dirty="0"/>
           </a:p>
@@ -4690,30 +4647,17 @@
               <a:rPr lang="en-US" sz="4400" dirty="0" smtClean="0"/>
               <a:t>Evaluate</a:t>
             </a:r>
-            <a:endParaRPr lang="en-US" sz="4400" dirty="0" smtClean="0"/>
           </a:p>
           <a:p>
             <a:r>
               <a:rPr lang="en-US" sz="4400" dirty="0" smtClean="0"/>
-              <a:t>Fine </a:t>
-            </a:r>
+              <a:t>Fine tune</a:t>
+            </a:r>
+          </a:p>
+          <a:p>
             <a:r>
               <a:rPr lang="en-US" sz="4400" dirty="0" smtClean="0"/>
-              <a:t>tune</a:t>
-            </a:r>
-          </a:p>
-          <a:p>
-            <a:r>
-              <a:rPr lang="en-US" sz="4400" dirty="0" smtClean="0"/>
-              <a:t>P</a:t>
-            </a:r>
-            <a:r>
-              <a:rPr lang="en-US" sz="4400" dirty="0" smtClean="0"/>
-              <a:t>lan your </a:t>
-            </a:r>
-            <a:r>
-              <a:rPr lang="en-US" sz="4400" dirty="0" smtClean="0"/>
-              <a:t>next sprint</a:t>
+              <a:t>Plan your next sprint</a:t>
             </a:r>
             <a:endParaRPr lang="en-US" sz="4400" dirty="0"/>
           </a:p>
@@ -4802,15 +4746,7 @@
             </a:pPr>
             <a:r>
               <a:rPr lang="en-US" sz="4400" b="1" dirty="0" smtClean="0"/>
-              <a:t>short </a:t>
-            </a:r>
-            <a:r>
-              <a:rPr lang="en-US" sz="4400" b="1" dirty="0" smtClean="0"/>
-              <a:t>period of </a:t>
-            </a:r>
-            <a:r>
-              <a:rPr lang="en-US" sz="4400" b="1" dirty="0" smtClean="0"/>
-              <a:t>time</a:t>
+              <a:t>short period of time</a:t>
             </a:r>
             <a:endParaRPr lang="en-US" sz="4400" dirty="0"/>
           </a:p>
@@ -5118,13 +5054,8 @@
           <a:p>
             <a:r>
               <a:rPr lang="en-US" sz="4400" dirty="0" smtClean="0"/>
-              <a:t>Highly </a:t>
-            </a:r>
-            <a:r>
-              <a:rPr lang="en-US" sz="4400" dirty="0" smtClean="0"/>
-              <a:t>skilled</a:t>
-            </a:r>
-            <a:endParaRPr lang="en-US" sz="4400" dirty="0" smtClean="0"/>
+              <a:t>Highly skilled</a:t>
+            </a:r>
           </a:p>
           <a:p>
             <a:r>
@@ -5185,11 +5116,7 @@
           <a:p>
             <a:r>
               <a:rPr lang="en-US" dirty="0" smtClean="0"/>
-              <a:t>Now</a:t>
-            </a:r>
-            <a:r>
-              <a:rPr lang="en-US" dirty="0" smtClean="0"/>
-              <a:t>’s the Time</a:t>
+              <a:t>Now’s the Time</a:t>
             </a:r>
             <a:endParaRPr lang="en-US" dirty="0"/>
           </a:p>
@@ -5221,7 +5148,6 @@
               <a:rPr lang="en-US" sz="4400" dirty="0" smtClean="0"/>
               <a:t>Access to tools</a:t>
             </a:r>
-            <a:endParaRPr lang="en-US" sz="4400" dirty="0" smtClean="0"/>
           </a:p>
           <a:p>
             <a:r>
